--- a/MCQ-Pipeline-25June2025.pptx
+++ b/MCQ-Pipeline-25June2025.pptx
@@ -5,13 +5,14 @@
     <p:sldMasterId id="2147483648" r:id="rId1"/>
   </p:sldMasterIdLst>
   <p:notesMasterIdLst>
-    <p:notesMasterId r:id="rId6"/>
+    <p:notesMasterId r:id="rId7"/>
   </p:notesMasterIdLst>
   <p:sldIdLst>
-    <p:sldId id="256" r:id="rId2"/>
-    <p:sldId id="260" r:id="rId3"/>
-    <p:sldId id="258" r:id="rId4"/>
-    <p:sldId id="261" r:id="rId5"/>
+    <p:sldId id="262" r:id="rId2"/>
+    <p:sldId id="256" r:id="rId3"/>
+    <p:sldId id="260" r:id="rId4"/>
+    <p:sldId id="258" r:id="rId5"/>
+    <p:sldId id="261" r:id="rId6"/>
   </p:sldIdLst>
   <p:sldSz cx="12192000" cy="6858000"/>
   <p:notesSz cx="6858000" cy="9144000"/>
@@ -3681,6 +3682,109 @@
           <a:chExt cx="0" cy="0"/>
         </a:xfrm>
       </p:grpSpPr>
+      <p:sp>
+        <p:nvSpPr>
+          <p:cNvPr id="2" name="Title 1">
+            <a:extLst>
+              <a:ext uri="{FF2B5EF4-FFF2-40B4-BE49-F238E27FC236}">
+                <a16:creationId xmlns:a16="http://schemas.microsoft.com/office/drawing/2014/main" id="{A1A5CDFE-4671-2D28-E68E-FD5AC91C4AFC}"/>
+              </a:ext>
+            </a:extLst>
+          </p:cNvPr>
+          <p:cNvSpPr>
+            <a:spLocks noGrp="1"/>
+          </p:cNvSpPr>
+          <p:nvPr>
+            <p:ph type="ctrTitle"/>
+          </p:nvPr>
+        </p:nvSpPr>
+        <p:spPr/>
+        <p:txBody>
+          <a:bodyPr/>
+          <a:lstStyle/>
+          <a:p>
+            <a:r>
+              <a:rPr lang="en-US" dirty="0"/>
+              <a:t>MCQ Pipeline Update</a:t>
+            </a:r>
+          </a:p>
+        </p:txBody>
+      </p:sp>
+      <p:sp>
+        <p:nvSpPr>
+          <p:cNvPr id="3" name="Subtitle 2">
+            <a:extLst>
+              <a:ext uri="{FF2B5EF4-FFF2-40B4-BE49-F238E27FC236}">
+                <a16:creationId xmlns:a16="http://schemas.microsoft.com/office/drawing/2014/main" id="{3E23084F-FCD4-7C6C-2E5D-014B26F2BED3}"/>
+              </a:ext>
+            </a:extLst>
+          </p:cNvPr>
+          <p:cNvSpPr>
+            <a:spLocks noGrp="1"/>
+          </p:cNvSpPr>
+          <p:nvPr>
+            <p:ph type="subTitle" idx="1"/>
+          </p:nvPr>
+        </p:nvSpPr>
+        <p:spPr/>
+        <p:txBody>
+          <a:bodyPr>
+            <a:normAutofit fontScale="85000" lnSpcReduction="20000"/>
+          </a:bodyPr>
+          <a:lstStyle/>
+          <a:p>
+            <a:r>
+              <a:rPr lang="en-US" dirty="0"/>
+              <a:t>Charlie Catlett, Ian Foster, Rick Stevens</a:t>
+            </a:r>
+          </a:p>
+          <a:p>
+            <a:r>
+              <a:rPr lang="en-US" dirty="0"/>
+              <a:t>June 25, 2025</a:t>
+            </a:r>
+          </a:p>
+          <a:p>
+            <a:endParaRPr lang="en-US" dirty="0"/>
+          </a:p>
+          <a:p>
+            <a:r>
+              <a:rPr lang="en-US" dirty="0"/>
+              <a:t>An update on a pipeline experiment to use scientific papers to create data for fine-tuning models.</a:t>
+            </a:r>
+          </a:p>
+        </p:txBody>
+      </p:sp>
+    </p:spTree>
+    <p:extLst>
+      <p:ext uri="{BB962C8B-B14F-4D97-AF65-F5344CB8AC3E}">
+        <p14:creationId xmlns:p14="http://schemas.microsoft.com/office/powerpoint/2010/main" val="290494171"/>
+      </p:ext>
+    </p:extLst>
+  </p:cSld>
+  <p:clrMapOvr>
+    <a:masterClrMapping/>
+  </p:clrMapOvr>
+</p:sld>
+</file>
+
+<file path=ppt/slides/slide2.xml><?xml version="1.0" encoding="utf-8"?>
+<p:sld xmlns:a="http://schemas.openxmlformats.org/drawingml/2006/main" xmlns:r="http://schemas.openxmlformats.org/officeDocument/2006/relationships" xmlns:p="http://schemas.openxmlformats.org/presentationml/2006/main">
+  <p:cSld>
+    <p:spTree>
+      <p:nvGrpSpPr>
+        <p:cNvPr id="1" name=""/>
+        <p:cNvGrpSpPr/>
+        <p:nvPr/>
+      </p:nvGrpSpPr>
+      <p:grpSpPr>
+        <a:xfrm>
+          <a:off x="0" y="0"/>
+          <a:ext cx="0" cy="0"/>
+          <a:chOff x="0" y="0"/>
+          <a:chExt cx="0" cy="0"/>
+        </a:xfrm>
+      </p:grpSpPr>
       <p:pic>
         <p:nvPicPr>
           <p:cNvPr id="4" name="Picture 2">
@@ -3708,7 +3812,7 @@
         </p:blipFill>
         <p:spPr bwMode="auto">
           <a:xfrm>
-            <a:off x="5217824" y="1691480"/>
+            <a:off x="5217824" y="2218421"/>
             <a:ext cx="7054186" cy="3475039"/>
           </a:xfrm>
           <a:prstGeom prst="rect">
@@ -3753,7 +3857,7 @@
         </p:blipFill>
         <p:spPr bwMode="auto">
           <a:xfrm>
-            <a:off x="-445770" y="481321"/>
+            <a:off x="-430272" y="1003696"/>
             <a:ext cx="7054186" cy="5904488"/>
           </a:xfrm>
           <a:prstGeom prst="rect">
@@ -3785,7 +3889,7 @@
         </p:nvSpPr>
         <p:spPr>
           <a:xfrm>
-            <a:off x="6206490" y="1588770"/>
+            <a:off x="6206490" y="2115711"/>
             <a:ext cx="5840730" cy="4343400"/>
           </a:xfrm>
           <a:custGeom>
@@ -3883,6 +3987,45 @@
           </a:p>
         </p:txBody>
       </p:sp>
+      <p:sp>
+        <p:nvSpPr>
+          <p:cNvPr id="3" name="TextBox 2">
+            <a:extLst>
+              <a:ext uri="{FF2B5EF4-FFF2-40B4-BE49-F238E27FC236}">
+                <a16:creationId xmlns:a16="http://schemas.microsoft.com/office/drawing/2014/main" id="{3B5A2165-5BE9-0531-AEA2-086F25E48B39}"/>
+              </a:ext>
+            </a:extLst>
+          </p:cNvPr>
+          <p:cNvSpPr txBox="1"/>
+          <p:nvPr/>
+        </p:nvSpPr>
+        <p:spPr>
+          <a:xfrm>
+            <a:off x="6206490" y="511444"/>
+            <a:ext cx="5587720" cy="1015663"/>
+          </a:xfrm>
+          <a:prstGeom prst="rect">
+            <a:avLst/>
+          </a:prstGeom>
+          <a:noFill/>
+        </p:spPr>
+        <p:txBody>
+          <a:bodyPr wrap="square" rtlCol="0">
+            <a:spAutoFit/>
+          </a:bodyPr>
+          <a:lstStyle/>
+          <a:p>
+            <a:r>
+              <a:rPr lang="en-US" sz="2000" dirty="0">
+                <a:solidFill>
+                  <a:srgbClr val="002060"/>
+                </a:solidFill>
+              </a:rPr>
+              <a:t>Starting point – a set of CLI tools (python scripts) that can be used to implement a workflow to create MCQs from PDF format papers.</a:t>
+            </a:r>
+          </a:p>
+        </p:txBody>
+      </p:sp>
     </p:spTree>
     <p:extLst>
       <p:ext uri="{BB962C8B-B14F-4D97-AF65-F5344CB8AC3E}">
@@ -3896,7 +4039,7 @@
 </p:sld>
 </file>
 
-<file path=ppt/slides/slide2.xml><?xml version="1.0" encoding="utf-8"?>
+<file path=ppt/slides/slide3.xml><?xml version="1.0" encoding="utf-8"?>
 <p:sld xmlns:a="http://schemas.openxmlformats.org/drawingml/2006/main" xmlns:r="http://schemas.openxmlformats.org/officeDocument/2006/relationships" xmlns:p="http://schemas.openxmlformats.org/presentationml/2006/main">
   <p:cSld>
     <p:spTree>
@@ -3937,7 +4080,7 @@
         </p:nvCxnSpPr>
         <p:spPr>
           <a:xfrm>
-            <a:off x="2326613" y="1869491"/>
+            <a:off x="2326613" y="1544033"/>
             <a:ext cx="984255" cy="0"/>
           </a:xfrm>
           <a:prstGeom prst="straightConnector1">
@@ -3980,7 +4123,7 @@
         </p:nvCxnSpPr>
         <p:spPr>
           <a:xfrm>
-            <a:off x="5322548" y="1869491"/>
+            <a:off x="5322548" y="1544033"/>
             <a:ext cx="984255" cy="0"/>
           </a:xfrm>
           <a:prstGeom prst="straightConnector1">
@@ -4023,7 +4166,7 @@
         </p:nvCxnSpPr>
         <p:spPr>
           <a:xfrm>
-            <a:off x="8318483" y="1869491"/>
+            <a:off x="8318483" y="1544033"/>
             <a:ext cx="984256" cy="0"/>
           </a:xfrm>
           <a:prstGeom prst="straightConnector1">
@@ -4062,7 +4205,7 @@
         </p:nvSpPr>
         <p:spPr>
           <a:xfrm>
-            <a:off x="3564868" y="581024"/>
+            <a:off x="3564868" y="255566"/>
             <a:ext cx="1503680" cy="558165"/>
           </a:xfrm>
           <a:prstGeom prst="parallelogram">
@@ -4110,7 +4253,7 @@
         </p:nvSpPr>
         <p:spPr>
           <a:xfrm>
-            <a:off x="6560803" y="581024"/>
+            <a:off x="6560803" y="255566"/>
             <a:ext cx="1503680" cy="558165"/>
           </a:xfrm>
           <a:prstGeom prst="parallelogram">
@@ -4160,7 +4303,7 @@
         </p:nvSpPr>
         <p:spPr>
           <a:xfrm>
-            <a:off x="1001283" y="2282568"/>
+            <a:off x="1001283" y="1957110"/>
             <a:ext cx="640080" cy="359682"/>
           </a:xfrm>
           <a:prstGeom prst="flowChartDocument">
@@ -4210,7 +4353,7 @@
         </p:nvCxnSpPr>
         <p:spPr>
           <a:xfrm flipV="1">
-            <a:off x="1641363" y="2460610"/>
+            <a:off x="1641363" y="2135152"/>
             <a:ext cx="1669505" cy="1799"/>
           </a:xfrm>
           <a:prstGeom prst="straightConnector1">
@@ -4249,7 +4392,7 @@
         </p:nvSpPr>
         <p:spPr>
           <a:xfrm>
-            <a:off x="314933" y="1600352"/>
+            <a:off x="314933" y="1274894"/>
             <a:ext cx="2011680" cy="538277"/>
           </a:xfrm>
           <a:prstGeom prst="flowChartProcess">
@@ -4297,7 +4440,7 @@
         </p:nvSpPr>
         <p:spPr>
           <a:xfrm>
-            <a:off x="3310868" y="1600352"/>
+            <a:off x="3310868" y="1274894"/>
             <a:ext cx="2011680" cy="538277"/>
           </a:xfrm>
           <a:prstGeom prst="flowChartProcess">
@@ -4345,7 +4488,7 @@
         </p:nvSpPr>
         <p:spPr>
           <a:xfrm>
-            <a:off x="6306803" y="1600352"/>
+            <a:off x="6306803" y="1274894"/>
             <a:ext cx="2011680" cy="538277"/>
           </a:xfrm>
           <a:prstGeom prst="flowChartProcess">
@@ -4393,7 +4536,7 @@
         </p:nvSpPr>
         <p:spPr>
           <a:xfrm>
-            <a:off x="9302739" y="1600352"/>
+            <a:off x="9302739" y="1274894"/>
             <a:ext cx="2011680" cy="538277"/>
           </a:xfrm>
           <a:prstGeom prst="flowChartProcess">
@@ -4441,7 +4584,7 @@
         </p:nvCxnSpPr>
         <p:spPr>
           <a:xfrm>
-            <a:off x="4000500" y="1139189"/>
+            <a:off x="4000500" y="813731"/>
             <a:ext cx="0" cy="461163"/>
           </a:xfrm>
           <a:prstGeom prst="straightConnector1">
@@ -4485,7 +4628,7 @@
         </p:nvCxnSpPr>
         <p:spPr>
           <a:xfrm flipV="1">
-            <a:off x="4507230" y="1139189"/>
+            <a:off x="4507230" y="813731"/>
             <a:ext cx="0" cy="461163"/>
           </a:xfrm>
           <a:prstGeom prst="straightConnector1">
@@ -4527,7 +4670,7 @@
         </p:nvCxnSpPr>
         <p:spPr>
           <a:xfrm>
-            <a:off x="7021830" y="1139189"/>
+            <a:off x="7021830" y="813731"/>
             <a:ext cx="0" cy="461163"/>
           </a:xfrm>
           <a:prstGeom prst="straightConnector1">
@@ -4571,7 +4714,7 @@
         </p:nvCxnSpPr>
         <p:spPr>
           <a:xfrm flipV="1">
-            <a:off x="7528560" y="1139189"/>
+            <a:off x="7528560" y="813731"/>
             <a:ext cx="0" cy="461163"/>
           </a:xfrm>
           <a:prstGeom prst="straightConnector1">
@@ -4601,140 +4744,6 @@
       </p:cxnSp>
       <p:sp>
         <p:nvSpPr>
-          <p:cNvPr id="50" name="Parallelogram 49">
-            <a:extLst>
-              <a:ext uri="{FF2B5EF4-FFF2-40B4-BE49-F238E27FC236}">
-                <a16:creationId xmlns:a16="http://schemas.microsoft.com/office/drawing/2014/main" id="{4F7C94A2-50DF-023C-DB5F-0B9198AA717A}"/>
-              </a:ext>
-            </a:extLst>
-          </p:cNvPr>
-          <p:cNvSpPr/>
-          <p:nvPr/>
-        </p:nvSpPr>
-        <p:spPr>
-          <a:xfrm>
-            <a:off x="9556738" y="581024"/>
-            <a:ext cx="1503680" cy="558165"/>
-          </a:xfrm>
-          <a:prstGeom prst="parallelogram">
-            <a:avLst/>
-          </a:prstGeom>
-        </p:spPr>
-        <p:style>
-          <a:lnRef idx="0">
-            <a:schemeClr val="accent3"/>
-          </a:lnRef>
-          <a:fillRef idx="3">
-            <a:schemeClr val="accent3"/>
-          </a:fillRef>
-          <a:effectRef idx="3">
-            <a:schemeClr val="accent3"/>
-          </a:effectRef>
-          <a:fontRef idx="minor">
-            <a:schemeClr val="lt1"/>
-          </a:fontRef>
-        </p:style>
-        <p:txBody>
-          <a:bodyPr rtlCol="0" anchor="ctr"/>
-          <a:lstStyle/>
-          <a:p>
-            <a:pPr algn="ctr"/>
-            <a:r>
-              <a:rPr lang="en-US" dirty="0" err="1"/>
-              <a:t>Model_A</a:t>
-            </a:r>
-            <a:endParaRPr lang="en-US" dirty="0"/>
-          </a:p>
-        </p:txBody>
-      </p:sp>
-      <p:cxnSp>
-        <p:nvCxnSpPr>
-          <p:cNvPr id="51" name="Straight Arrow Connector 50">
-            <a:extLst>
-              <a:ext uri="{FF2B5EF4-FFF2-40B4-BE49-F238E27FC236}">
-                <a16:creationId xmlns:a16="http://schemas.microsoft.com/office/drawing/2014/main" id="{208B1D8D-A879-72E6-E3C1-DAF9F8902D4B}"/>
-              </a:ext>
-            </a:extLst>
-          </p:cNvPr>
-          <p:cNvCxnSpPr/>
-          <p:nvPr/>
-        </p:nvCxnSpPr>
-        <p:spPr>
-          <a:xfrm>
-            <a:off x="9992370" y="1139189"/>
-            <a:ext cx="0" cy="461163"/>
-          </a:xfrm>
-          <a:prstGeom prst="straightConnector1">
-            <a:avLst/>
-          </a:prstGeom>
-          <a:ln w="38100">
-            <a:solidFill>
-              <a:srgbClr val="C00000"/>
-            </a:solidFill>
-            <a:tailEnd type="triangle"/>
-          </a:ln>
-        </p:spPr>
-        <p:style>
-          <a:lnRef idx="2">
-            <a:schemeClr val="accent1"/>
-          </a:lnRef>
-          <a:fillRef idx="0">
-            <a:schemeClr val="accent1"/>
-          </a:fillRef>
-          <a:effectRef idx="1">
-            <a:schemeClr val="accent1"/>
-          </a:effectRef>
-          <a:fontRef idx="minor">
-            <a:schemeClr val="tx1"/>
-          </a:fontRef>
-        </p:style>
-      </p:cxnSp>
-      <p:cxnSp>
-        <p:nvCxnSpPr>
-          <p:cNvPr id="52" name="Straight Arrow Connector 51">
-            <a:extLst>
-              <a:ext uri="{FF2B5EF4-FFF2-40B4-BE49-F238E27FC236}">
-                <a16:creationId xmlns:a16="http://schemas.microsoft.com/office/drawing/2014/main" id="{3DCF10F7-1977-3014-4B82-0DB23D022C76}"/>
-              </a:ext>
-            </a:extLst>
-          </p:cNvPr>
-          <p:cNvCxnSpPr>
-            <a:cxnSpLocks/>
-          </p:cNvCxnSpPr>
-          <p:nvPr/>
-        </p:nvCxnSpPr>
-        <p:spPr>
-          <a:xfrm flipV="1">
-            <a:off x="10499100" y="1139189"/>
-            <a:ext cx="0" cy="461163"/>
-          </a:xfrm>
-          <a:prstGeom prst="straightConnector1">
-            <a:avLst/>
-          </a:prstGeom>
-          <a:ln w="38100">
-            <a:solidFill>
-              <a:srgbClr val="C00000"/>
-            </a:solidFill>
-            <a:tailEnd type="triangle"/>
-          </a:ln>
-        </p:spPr>
-        <p:style>
-          <a:lnRef idx="2">
-            <a:schemeClr val="accent1"/>
-          </a:lnRef>
-          <a:fillRef idx="0">
-            <a:schemeClr val="accent1"/>
-          </a:fillRef>
-          <a:effectRef idx="1">
-            <a:schemeClr val="accent1"/>
-          </a:effectRef>
-          <a:fontRef idx="minor">
-            <a:schemeClr val="tx1"/>
-          </a:fontRef>
-        </p:style>
-      </p:cxnSp>
-      <p:sp>
-        <p:nvSpPr>
           <p:cNvPr id="69" name="Document 68">
             <a:extLst>
               <a:ext uri="{FF2B5EF4-FFF2-40B4-BE49-F238E27FC236}">
@@ -4749,7 +4758,7 @@
         </p:nvSpPr>
         <p:spPr>
           <a:xfrm>
-            <a:off x="3827864" y="3051055"/>
+            <a:off x="3827864" y="2725597"/>
             <a:ext cx="182880" cy="102767"/>
           </a:xfrm>
           <a:prstGeom prst="flowChartDocument">
@@ -4795,7 +4804,7 @@
         </p:nvSpPr>
         <p:spPr>
           <a:xfrm>
-            <a:off x="3980264" y="3203455"/>
+            <a:off x="3980264" y="2877997"/>
             <a:ext cx="182880" cy="102767"/>
           </a:xfrm>
           <a:prstGeom prst="flowChartDocument">
@@ -4841,7 +4850,7 @@
         </p:nvSpPr>
         <p:spPr>
           <a:xfrm>
-            <a:off x="4132664" y="3355855"/>
+            <a:off x="4132664" y="3030397"/>
             <a:ext cx="182880" cy="102767"/>
           </a:xfrm>
           <a:prstGeom prst="flowChartDocument">
@@ -4887,7 +4896,7 @@
         </p:nvSpPr>
         <p:spPr>
           <a:xfrm>
-            <a:off x="4285064" y="3508255"/>
+            <a:off x="4285064" y="3182797"/>
             <a:ext cx="182880" cy="102767"/>
           </a:xfrm>
           <a:prstGeom prst="flowChartDocument">
@@ -4933,7 +4942,7 @@
         </p:nvSpPr>
         <p:spPr>
           <a:xfrm>
-            <a:off x="3671654" y="3203455"/>
+            <a:off x="3671654" y="2877997"/>
             <a:ext cx="182880" cy="102767"/>
           </a:xfrm>
           <a:prstGeom prst="flowChartDocument">
@@ -4979,7 +4988,7 @@
         </p:nvSpPr>
         <p:spPr>
           <a:xfrm>
-            <a:off x="3824054" y="3355855"/>
+            <a:off x="3824054" y="3030397"/>
             <a:ext cx="182880" cy="102767"/>
           </a:xfrm>
           <a:prstGeom prst="flowChartDocument">
@@ -5025,7 +5034,7 @@
         </p:nvSpPr>
         <p:spPr>
           <a:xfrm>
-            <a:off x="3976454" y="3508255"/>
+            <a:off x="3976454" y="3182797"/>
             <a:ext cx="182880" cy="102767"/>
           </a:xfrm>
           <a:prstGeom prst="flowChartDocument">
@@ -5071,7 +5080,7 @@
         </p:nvSpPr>
         <p:spPr>
           <a:xfrm>
-            <a:off x="4128854" y="3660655"/>
+            <a:off x="4128854" y="3335197"/>
             <a:ext cx="182880" cy="102767"/>
           </a:xfrm>
           <a:prstGeom prst="flowChartDocument">
@@ -5115,7 +5124,7 @@
         </p:nvGrpSpPr>
         <p:grpSpPr>
           <a:xfrm>
-            <a:off x="4369131" y="2623212"/>
+            <a:off x="4369131" y="2297754"/>
             <a:ext cx="814416" cy="676495"/>
             <a:chOff x="4369131" y="2623212"/>
             <a:chExt cx="814416" cy="676495"/>
@@ -5602,7 +5611,7 @@
         </p:nvSpPr>
         <p:spPr>
           <a:xfrm>
-            <a:off x="6306803" y="2280769"/>
+            <a:off x="6306803" y="1955311"/>
             <a:ext cx="640080" cy="685571"/>
           </a:xfrm>
           <a:prstGeom prst="flowChartDocument">
@@ -5659,7 +5668,7 @@
         </p:nvCxnSpPr>
         <p:spPr>
           <a:xfrm>
-            <a:off x="3660829" y="2892707"/>
+            <a:off x="3660829" y="2567249"/>
             <a:ext cx="0" cy="192079"/>
           </a:xfrm>
           <a:prstGeom prst="straightConnector1">
@@ -5700,7 +5709,7 @@
         </p:nvCxnSpPr>
         <p:spPr>
           <a:xfrm flipV="1">
-            <a:off x="4345511" y="3077638"/>
+            <a:off x="4345511" y="2752180"/>
             <a:ext cx="191640" cy="152401"/>
           </a:xfrm>
           <a:prstGeom prst="straightConnector1">
@@ -5742,7 +5751,7 @@
         </p:nvCxnSpPr>
         <p:spPr>
           <a:xfrm>
-            <a:off x="5068548" y="2623555"/>
+            <a:off x="5068548" y="2298097"/>
             <a:ext cx="1238255" cy="0"/>
           </a:xfrm>
           <a:prstGeom prst="straightConnector1">
@@ -5783,7 +5792,7 @@
         </p:nvSpPr>
         <p:spPr>
           <a:xfrm>
-            <a:off x="1055889" y="2341130"/>
+            <a:off x="1055889" y="2015672"/>
             <a:ext cx="640080" cy="359682"/>
           </a:xfrm>
           <a:prstGeom prst="flowChartDocument">
@@ -5832,7 +5841,7 @@
         </p:nvSpPr>
         <p:spPr>
           <a:xfrm>
-            <a:off x="1110494" y="2399693"/>
+            <a:off x="1110494" y="2074235"/>
             <a:ext cx="640080" cy="359682"/>
           </a:xfrm>
           <a:prstGeom prst="flowChartDocument">
@@ -5881,7 +5890,7 @@
         </p:nvSpPr>
         <p:spPr>
           <a:xfrm>
-            <a:off x="1226509" y="2525422"/>
+            <a:off x="1226509" y="2199964"/>
             <a:ext cx="640080" cy="359682"/>
           </a:xfrm>
           <a:prstGeom prst="flowChartDocument">
@@ -5928,7 +5937,7 @@
         </p:nvGrpSpPr>
         <p:grpSpPr>
           <a:xfrm>
-            <a:off x="3314024" y="2287162"/>
+            <a:off x="3314024" y="1961704"/>
             <a:ext cx="865306" cy="602536"/>
             <a:chOff x="2388958" y="2641480"/>
             <a:chExt cx="865306" cy="602536"/>
@@ -6151,7 +6160,7 @@
         </p:nvCxnSpPr>
         <p:spPr>
           <a:xfrm flipV="1">
-            <a:off x="7353879" y="2953948"/>
+            <a:off x="7353879" y="2628490"/>
             <a:ext cx="191640" cy="152401"/>
           </a:xfrm>
           <a:prstGeom prst="straightConnector1">
@@ -6190,7 +6199,7 @@
         </p:nvGrpSpPr>
         <p:grpSpPr>
           <a:xfrm>
-            <a:off x="6731103" y="2914951"/>
+            <a:off x="6731103" y="2589493"/>
             <a:ext cx="814416" cy="676495"/>
             <a:chOff x="4369131" y="2623212"/>
             <a:chExt cx="814416" cy="676495"/>
@@ -6675,7 +6684,7 @@
         </p:nvGrpSpPr>
         <p:grpSpPr>
           <a:xfrm>
-            <a:off x="7596868" y="2540753"/>
+            <a:off x="7596868" y="2215295"/>
             <a:ext cx="810204" cy="695857"/>
             <a:chOff x="7596868" y="2540753"/>
             <a:chExt cx="810204" cy="695857"/>
@@ -7162,7 +7171,7 @@
         </p:nvSpPr>
         <p:spPr>
           <a:xfrm>
-            <a:off x="9299582" y="2280426"/>
+            <a:off x="9299582" y="1954968"/>
             <a:ext cx="640080" cy="685571"/>
           </a:xfrm>
           <a:prstGeom prst="flowChartDocument">
@@ -7217,7 +7226,7 @@
         </p:nvGrpSpPr>
         <p:grpSpPr>
           <a:xfrm>
-            <a:off x="9683872" y="2896491"/>
+            <a:off x="9683872" y="2571033"/>
             <a:ext cx="810204" cy="695857"/>
             <a:chOff x="7596868" y="2540753"/>
             <a:chExt cx="810204" cy="695857"/>
@@ -7704,7 +7713,7 @@
         </p:nvCxnSpPr>
         <p:spPr>
           <a:xfrm flipV="1">
-            <a:off x="10297205" y="2934205"/>
+            <a:off x="10297205" y="2608747"/>
             <a:ext cx="191640" cy="152401"/>
           </a:xfrm>
           <a:prstGeom prst="straightConnector1">
@@ -7743,7 +7752,7 @@
         </p:nvGrpSpPr>
         <p:grpSpPr>
           <a:xfrm>
-            <a:off x="10540194" y="2521010"/>
+            <a:off x="10540194" y="2195552"/>
             <a:ext cx="810204" cy="695857"/>
             <a:chOff x="10540194" y="2521010"/>
             <a:chExt cx="810204" cy="695857"/>
@@ -8228,10 +8237,10 @@
         </p:nvGrpSpPr>
         <p:grpSpPr>
           <a:xfrm>
-            <a:off x="364951" y="2934205"/>
-            <a:ext cx="2278678" cy="1395301"/>
+            <a:off x="364951" y="2608747"/>
+            <a:ext cx="2109685" cy="1395301"/>
             <a:chOff x="364951" y="2934205"/>
-            <a:chExt cx="2278678" cy="1395301"/>
+            <a:chExt cx="2109685" cy="1395301"/>
           </a:xfrm>
         </p:grpSpPr>
         <p:sp>
@@ -8305,8 +8314,8 @@
           </p:nvSpPr>
           <p:spPr>
             <a:xfrm>
-              <a:off x="1079290" y="3236472"/>
-              <a:ext cx="1564339" cy="738664"/>
+              <a:off x="1078818" y="3062733"/>
+              <a:ext cx="1395818" cy="954107"/>
             </a:xfrm>
             <a:prstGeom prst="rect">
               <a:avLst/>
@@ -8314,7 +8323,7 @@
             <a:noFill/>
           </p:spPr>
           <p:txBody>
-            <a:bodyPr wrap="none" rtlCol="0">
+            <a:bodyPr wrap="square" rtlCol="0">
               <a:spAutoFit/>
             </a:bodyPr>
             <a:lstStyle/>
@@ -8365,10 +8374,10 @@
         </p:nvGrpSpPr>
         <p:grpSpPr>
           <a:xfrm>
-            <a:off x="364952" y="4483554"/>
-            <a:ext cx="2278677" cy="1919037"/>
-            <a:chOff x="364952" y="4483554"/>
-            <a:chExt cx="2278677" cy="1919037"/>
+            <a:off x="336883" y="4033639"/>
+            <a:ext cx="2078092" cy="2022381"/>
+            <a:chOff x="364952" y="4380210"/>
+            <a:chExt cx="2078092" cy="2022381"/>
           </a:xfrm>
         </p:grpSpPr>
         <p:sp>
@@ -8442,8 +8451,8 @@
           </p:nvSpPr>
           <p:spPr>
             <a:xfrm>
-              <a:off x="1079290" y="4510114"/>
-              <a:ext cx="1564339" cy="523220"/>
+              <a:off x="1058103" y="4380210"/>
+              <a:ext cx="1384941" cy="738664"/>
             </a:xfrm>
             <a:prstGeom prst="rect">
               <a:avLst/>
@@ -8451,7 +8460,7 @@
             <a:noFill/>
           </p:spPr>
           <p:txBody>
-            <a:bodyPr wrap="none" rtlCol="0">
+            <a:bodyPr wrap="square" rtlCol="0">
               <a:spAutoFit/>
             </a:bodyPr>
             <a:lstStyle/>
@@ -8670,6 +8679,333 @@
           </p:txBody>
         </p:sp>
       </p:grpSp>
+      <p:sp>
+        <p:nvSpPr>
+          <p:cNvPr id="4" name="TextBox 3">
+            <a:extLst>
+              <a:ext uri="{FF2B5EF4-FFF2-40B4-BE49-F238E27FC236}">
+                <a16:creationId xmlns:a16="http://schemas.microsoft.com/office/drawing/2014/main" id="{3EE8D48E-5808-740D-E725-CD951AA2DE80}"/>
+              </a:ext>
+            </a:extLst>
+          </p:cNvPr>
+          <p:cNvSpPr txBox="1"/>
+          <p:nvPr/>
+        </p:nvSpPr>
+        <p:spPr>
+          <a:xfrm>
+            <a:off x="2634717" y="3513406"/>
+            <a:ext cx="9221482" cy="3416320"/>
+          </a:xfrm>
+          <a:prstGeom prst="rect">
+            <a:avLst/>
+          </a:prstGeom>
+          <a:noFill/>
+        </p:spPr>
+        <p:txBody>
+          <a:bodyPr wrap="square" rtlCol="0">
+            <a:spAutoFit/>
+          </a:bodyPr>
+          <a:lstStyle/>
+          <a:p>
+            <a:r>
+              <a:rPr lang="en-US" b="1" dirty="0">
+                <a:solidFill>
+                  <a:srgbClr val="002060"/>
+                </a:solidFill>
+              </a:rPr>
+              <a:t>Initial work proceeded as follows:</a:t>
+            </a:r>
+          </a:p>
+          <a:p>
+            <a:pPr marL="231775" indent="-231775">
+              <a:buAutoNum type="arabicParenR"/>
+            </a:pPr>
+            <a:r>
+              <a:rPr lang="en-US" dirty="0">
+                <a:solidFill>
+                  <a:srgbClr val="002060"/>
+                </a:solidFill>
+              </a:rPr>
+              <a:t>Papers converted to JSON (text only) and broken into n-byte chunks, each of which is used to generate an MCQ.  MCQ model interactions on chunks are independent, thus we parallelized this step, adding a general config setting for n-way parallel (can specify/override on command line).</a:t>
+            </a:r>
+          </a:p>
+          <a:p>
+            <a:pPr marL="231775" indent="-231775">
+              <a:buAutoNum type="arabicParenR"/>
+            </a:pPr>
+            <a:r>
+              <a:rPr lang="en-US" dirty="0">
+                <a:solidFill>
+                  <a:srgbClr val="002060"/>
+                </a:solidFill>
+              </a:rPr>
+              <a:t>Pull general settings, model choices into </a:t>
+            </a:r>
+            <a:r>
+              <a:rPr lang="en-US" dirty="0" err="1">
+                <a:solidFill>
+                  <a:srgbClr val="002060"/>
+                </a:solidFill>
+              </a:rPr>
+              <a:t>yaml</a:t>
+            </a:r>
+            <a:r>
+              <a:rPr lang="en-US" dirty="0">
+                <a:solidFill>
+                  <a:srgbClr val="002060"/>
+                </a:solidFill>
+              </a:rPr>
+              <a:t> config files to simplify CLI use in workflows (can be overridden by CLI options)</a:t>
+            </a:r>
+          </a:p>
+          <a:p>
+            <a:pPr marL="231775" indent="-231775">
+              <a:buAutoNum type="arabicParenR"/>
+            </a:pPr>
+            <a:r>
+              <a:rPr lang="en-US" dirty="0">
+                <a:solidFill>
+                  <a:srgbClr val="002060"/>
+                </a:solidFill>
+              </a:rPr>
+              <a:t>Pull prompts out of python code into </a:t>
+            </a:r>
+            <a:r>
+              <a:rPr lang="en-US" dirty="0" err="1">
+                <a:solidFill>
+                  <a:srgbClr val="002060"/>
+                </a:solidFill>
+              </a:rPr>
+              <a:t>yaml</a:t>
+            </a:r>
+            <a:r>
+              <a:rPr lang="en-US" dirty="0">
+                <a:solidFill>
+                  <a:srgbClr val="002060"/>
+                </a:solidFill>
+              </a:rPr>
+              <a:t> config file to facilitate ease of prompt engineering.</a:t>
+            </a:r>
+          </a:p>
+          <a:p>
+            <a:pPr marL="231775" indent="-231775">
+              <a:buAutoNum type="arabicParenR"/>
+            </a:pPr>
+            <a:r>
+              <a:rPr lang="en-US" dirty="0">
+                <a:solidFill>
+                  <a:srgbClr val="002060"/>
+                </a:solidFill>
+              </a:rPr>
+              <a:t>Pull model specifications out of python code, defining endpoints in </a:t>
+            </a:r>
+            <a:r>
+              <a:rPr lang="en-US" dirty="0" err="1">
+                <a:solidFill>
+                  <a:srgbClr val="002060"/>
+                </a:solidFill>
+              </a:rPr>
+              <a:t>yaml</a:t>
+            </a:r>
+            <a:r>
+              <a:rPr lang="en-US" dirty="0">
+                <a:solidFill>
+                  <a:srgbClr val="002060"/>
+                </a:solidFill>
+              </a:rPr>
+              <a:t> config files.  </a:t>
+            </a:r>
+          </a:p>
+          <a:p>
+            <a:pPr marL="231775" indent="-231775">
+              <a:buAutoNum type="arabicParenR"/>
+            </a:pPr>
+            <a:r>
+              <a:rPr lang="en-US" dirty="0">
+                <a:solidFill>
+                  <a:srgbClr val="002060"/>
+                </a:solidFill>
+              </a:rPr>
+              <a:t>Redesign config handling to allow for both general (relatively static) config and local (user-specific, dynamic) config files.</a:t>
+            </a:r>
+          </a:p>
+        </p:txBody>
+      </p:sp>
+      <p:sp>
+        <p:nvSpPr>
+          <p:cNvPr id="5" name="TextBox 4">
+            <a:extLst>
+              <a:ext uri="{FF2B5EF4-FFF2-40B4-BE49-F238E27FC236}">
+                <a16:creationId xmlns:a16="http://schemas.microsoft.com/office/drawing/2014/main" id="{972E6DE9-89A0-D366-917D-ACD28D83161C}"/>
+              </a:ext>
+            </a:extLst>
+          </p:cNvPr>
+          <p:cNvSpPr txBox="1"/>
+          <p:nvPr/>
+        </p:nvSpPr>
+        <p:spPr>
+          <a:xfrm>
+            <a:off x="4537151" y="2937330"/>
+            <a:ext cx="1023293" cy="276999"/>
+          </a:xfrm>
+          <a:prstGeom prst="rect">
+            <a:avLst/>
+          </a:prstGeom>
+          <a:noFill/>
+        </p:spPr>
+        <p:txBody>
+          <a:bodyPr wrap="none" rtlCol="0">
+            <a:spAutoFit/>
+          </a:bodyPr>
+          <a:lstStyle/>
+          <a:p>
+            <a:r>
+              <a:rPr lang="en-US" sz="1200" dirty="0"/>
+              <a:t>MCQ/A pairs</a:t>
+            </a:r>
+          </a:p>
+        </p:txBody>
+      </p:sp>
+      <p:sp>
+        <p:nvSpPr>
+          <p:cNvPr id="6" name="TextBox 5">
+            <a:extLst>
+              <a:ext uri="{FF2B5EF4-FFF2-40B4-BE49-F238E27FC236}">
+                <a16:creationId xmlns:a16="http://schemas.microsoft.com/office/drawing/2014/main" id="{9B2D6199-5DBF-B26D-1EDC-E8D3B0D70BA1}"/>
+              </a:ext>
+            </a:extLst>
+          </p:cNvPr>
+          <p:cNvSpPr txBox="1"/>
+          <p:nvPr/>
+        </p:nvSpPr>
+        <p:spPr>
+          <a:xfrm>
+            <a:off x="6505267" y="3028479"/>
+            <a:ext cx="523733" cy="276999"/>
+          </a:xfrm>
+          <a:prstGeom prst="rect">
+            <a:avLst/>
+          </a:prstGeom>
+          <a:noFill/>
+        </p:spPr>
+        <p:txBody>
+          <a:bodyPr wrap="none" rtlCol="0">
+            <a:spAutoFit/>
+          </a:bodyPr>
+          <a:lstStyle/>
+          <a:p>
+            <a:r>
+              <a:rPr lang="en-US" sz="1200" dirty="0"/>
+              <a:t>MCQ</a:t>
+            </a:r>
+          </a:p>
+        </p:txBody>
+      </p:sp>
+      <p:sp>
+        <p:nvSpPr>
+          <p:cNvPr id="7" name="TextBox 6">
+            <a:extLst>
+              <a:ext uri="{FF2B5EF4-FFF2-40B4-BE49-F238E27FC236}">
+                <a16:creationId xmlns:a16="http://schemas.microsoft.com/office/drawing/2014/main" id="{EF9DEAE8-8755-E66F-1698-04EE71DBE121}"/>
+              </a:ext>
+            </a:extLst>
+          </p:cNvPr>
+          <p:cNvSpPr txBox="1"/>
+          <p:nvPr/>
+        </p:nvSpPr>
+        <p:spPr>
+          <a:xfrm>
+            <a:off x="7976308" y="2113221"/>
+            <a:ext cx="750526" cy="276999"/>
+          </a:xfrm>
+          <a:prstGeom prst="rect">
+            <a:avLst/>
+          </a:prstGeom>
+          <a:noFill/>
+        </p:spPr>
+        <p:txBody>
+          <a:bodyPr wrap="none" rtlCol="0">
+            <a:spAutoFit/>
+          </a:bodyPr>
+          <a:lstStyle/>
+          <a:p>
+            <a:r>
+              <a:rPr lang="en-US" sz="1200" dirty="0"/>
+              <a:t>Answers</a:t>
+            </a:r>
+          </a:p>
+        </p:txBody>
+      </p:sp>
+      <p:sp>
+        <p:nvSpPr>
+          <p:cNvPr id="8" name="TextBox 7">
+            <a:extLst>
+              <a:ext uri="{FF2B5EF4-FFF2-40B4-BE49-F238E27FC236}">
+                <a16:creationId xmlns:a16="http://schemas.microsoft.com/office/drawing/2014/main" id="{686DDE1A-EA6E-16C2-7E83-A7DE339C8302}"/>
+              </a:ext>
+            </a:extLst>
+          </p:cNvPr>
+          <p:cNvSpPr txBox="1"/>
+          <p:nvPr/>
+        </p:nvSpPr>
+        <p:spPr>
+          <a:xfrm>
+            <a:off x="9244359" y="2993944"/>
+            <a:ext cx="750526" cy="276999"/>
+          </a:xfrm>
+          <a:prstGeom prst="rect">
+            <a:avLst/>
+          </a:prstGeom>
+          <a:noFill/>
+        </p:spPr>
+        <p:txBody>
+          <a:bodyPr wrap="none" rtlCol="0">
+            <a:spAutoFit/>
+          </a:bodyPr>
+          <a:lstStyle/>
+          <a:p>
+            <a:r>
+              <a:rPr lang="en-US" sz="1200" dirty="0"/>
+              <a:t>Answers</a:t>
+            </a:r>
+          </a:p>
+        </p:txBody>
+      </p:sp>
+      <p:sp>
+        <p:nvSpPr>
+          <p:cNvPr id="10" name="TextBox 9">
+            <a:extLst>
+              <a:ext uri="{FF2B5EF4-FFF2-40B4-BE49-F238E27FC236}">
+                <a16:creationId xmlns:a16="http://schemas.microsoft.com/office/drawing/2014/main" id="{E1492C23-FBBA-FDE1-EA70-4A9E8450F550}"/>
+              </a:ext>
+            </a:extLst>
+          </p:cNvPr>
+          <p:cNvSpPr txBox="1"/>
+          <p:nvPr/>
+        </p:nvSpPr>
+        <p:spPr>
+          <a:xfrm>
+            <a:off x="11113824" y="2139491"/>
+            <a:ext cx="590483" cy="276999"/>
+          </a:xfrm>
+          <a:prstGeom prst="rect">
+            <a:avLst/>
+          </a:prstGeom>
+          <a:noFill/>
+        </p:spPr>
+        <p:txBody>
+          <a:bodyPr wrap="none" rtlCol="0">
+            <a:spAutoFit/>
+          </a:bodyPr>
+          <a:lstStyle/>
+          <a:p>
+            <a:r>
+              <a:rPr lang="en-US" sz="1200" dirty="0"/>
+              <a:t>Grade</a:t>
+            </a:r>
+          </a:p>
+        </p:txBody>
+      </p:sp>
     </p:spTree>
     <p:extLst>
       <p:ext uri="{BB962C8B-B14F-4D97-AF65-F5344CB8AC3E}">
@@ -8850,7 +9186,7 @@
 </p:sld>
 </file>
 
-<file path=ppt/slides/slide3.xml><?xml version="1.0" encoding="utf-8"?>
+<file path=ppt/slides/slide4.xml><?xml version="1.0" encoding="utf-8"?>
 <p:sld xmlns:a="http://schemas.openxmlformats.org/drawingml/2006/main" xmlns:r="http://schemas.openxmlformats.org/officeDocument/2006/relationships" xmlns:p="http://schemas.openxmlformats.org/presentationml/2006/main">
   <p:cSld>
     <p:spTree>
@@ -8892,7 +9228,7 @@
         <p:spPr>
           <a:xfrm>
             <a:off x="2326613" y="1869491"/>
-            <a:ext cx="984255" cy="0"/>
+            <a:ext cx="2194870" cy="0"/>
           </a:xfrm>
           <a:prstGeom prst="straightConnector1">
             <a:avLst/>
@@ -8934,8 +9270,8 @@
         </p:nvCxnSpPr>
         <p:spPr>
           <a:xfrm>
-            <a:off x="5322548" y="1869491"/>
-            <a:ext cx="984255" cy="0"/>
+            <a:off x="6533163" y="1869491"/>
+            <a:ext cx="314553" cy="0"/>
           </a:xfrm>
           <a:prstGeom prst="straightConnector1">
             <a:avLst/>
@@ -8977,8 +9313,8 @@
         </p:nvCxnSpPr>
         <p:spPr>
           <a:xfrm>
-            <a:off x="8318483" y="1869491"/>
-            <a:ext cx="984256" cy="0"/>
+            <a:off x="8859396" y="1869491"/>
+            <a:ext cx="443343" cy="0"/>
           </a:xfrm>
           <a:prstGeom prst="straightConnector1">
             <a:avLst/>
@@ -9016,7 +9352,7 @@
         </p:nvSpPr>
         <p:spPr>
           <a:xfrm>
-            <a:off x="3564868" y="581024"/>
+            <a:off x="4775483" y="581024"/>
             <a:ext cx="1503680" cy="558165"/>
           </a:xfrm>
           <a:prstGeom prst="parallelogram">
@@ -9064,7 +9400,7 @@
         </p:nvSpPr>
         <p:spPr>
           <a:xfrm>
-            <a:off x="6560803" y="581024"/>
+            <a:off x="7101716" y="581024"/>
             <a:ext cx="1503680" cy="558165"/>
           </a:xfrm>
           <a:prstGeom prst="parallelogram">
@@ -9160,7 +9496,7 @@
         </p:nvSpPr>
         <p:spPr>
           <a:xfrm>
-            <a:off x="3310868" y="1600352"/>
+            <a:off x="4521483" y="1600352"/>
             <a:ext cx="2011680" cy="538277"/>
           </a:xfrm>
           <a:prstGeom prst="flowChartProcess">
@@ -9208,7 +9544,7 @@
         </p:nvSpPr>
         <p:spPr>
           <a:xfrm>
-            <a:off x="6306803" y="1600352"/>
+            <a:off x="6847716" y="1600352"/>
             <a:ext cx="2011680" cy="538277"/>
           </a:xfrm>
           <a:prstGeom prst="flowChartProcess">
@@ -9304,7 +9640,7 @@
         </p:nvCxnSpPr>
         <p:spPr>
           <a:xfrm>
-            <a:off x="4000500" y="1139189"/>
+            <a:off x="5211115" y="1139189"/>
             <a:ext cx="0" cy="461163"/>
           </a:xfrm>
           <a:prstGeom prst="straightConnector1">
@@ -9348,7 +9684,7 @@
         </p:nvCxnSpPr>
         <p:spPr>
           <a:xfrm flipV="1">
-            <a:off x="4507230" y="1139189"/>
+            <a:off x="5717845" y="1139189"/>
             <a:ext cx="0" cy="461163"/>
           </a:xfrm>
           <a:prstGeom prst="straightConnector1">
@@ -9390,7 +9726,7 @@
         </p:nvCxnSpPr>
         <p:spPr>
           <a:xfrm>
-            <a:off x="7021830" y="1139189"/>
+            <a:off x="7562743" y="1139189"/>
             <a:ext cx="0" cy="461163"/>
           </a:xfrm>
           <a:prstGeom prst="straightConnector1">
@@ -9434,7 +9770,7 @@
         </p:nvCxnSpPr>
         <p:spPr>
           <a:xfrm flipV="1">
-            <a:off x="7528560" y="1139189"/>
+            <a:off x="8069473" y="1139189"/>
             <a:ext cx="0" cy="461163"/>
           </a:xfrm>
           <a:prstGeom prst="straightConnector1">
@@ -9464,10 +9800,10 @@
       </p:cxnSp>
       <p:sp>
         <p:nvSpPr>
-          <p:cNvPr id="50" name="Parallelogram 49">
-            <a:extLst>
-              <a:ext uri="{FF2B5EF4-FFF2-40B4-BE49-F238E27FC236}">
-                <a16:creationId xmlns:a16="http://schemas.microsoft.com/office/drawing/2014/main" id="{5F38B2AD-21BF-99C7-508F-E0F2C7A809A8}"/>
+          <p:cNvPr id="201" name="Parallelogram 200">
+            <a:extLst>
+              <a:ext uri="{FF2B5EF4-FFF2-40B4-BE49-F238E27FC236}">
+                <a16:creationId xmlns:a16="http://schemas.microsoft.com/office/drawing/2014/main" id="{7AE5D347-8C61-1515-8F5C-75073962AFC1}"/>
               </a:ext>
             </a:extLst>
           </p:cNvPr>
@@ -9476,7 +9812,7 @@
         </p:nvSpPr>
         <p:spPr>
           <a:xfrm>
-            <a:off x="9556738" y="581024"/>
+            <a:off x="7101716" y="2599792"/>
             <a:ext cx="1503680" cy="558165"/>
           </a:xfrm>
           <a:prstGeom prst="parallelogram">
@@ -9485,13 +9821,13 @@
         </p:spPr>
         <p:style>
           <a:lnRef idx="0">
-            <a:schemeClr val="accent3"/>
+            <a:schemeClr val="accent1"/>
           </a:lnRef>
           <a:fillRef idx="3">
-            <a:schemeClr val="accent3"/>
+            <a:schemeClr val="accent1"/>
           </a:fillRef>
           <a:effectRef idx="3">
-            <a:schemeClr val="accent3"/>
+            <a:schemeClr val="accent1"/>
           </a:effectRef>
           <a:fontRef idx="minor">
             <a:schemeClr val="lt1"/>
@@ -9504,104 +9840,18 @@
             <a:pPr algn="ctr"/>
             <a:r>
               <a:rPr lang="en-US" dirty="0" err="1"/>
-              <a:t>Model_A</a:t>
+              <a:t>Model_C</a:t>
             </a:r>
             <a:endParaRPr lang="en-US" dirty="0"/>
           </a:p>
         </p:txBody>
       </p:sp>
-      <p:cxnSp>
-        <p:nvCxnSpPr>
-          <p:cNvPr id="51" name="Straight Arrow Connector 50">
-            <a:extLst>
-              <a:ext uri="{FF2B5EF4-FFF2-40B4-BE49-F238E27FC236}">
-                <a16:creationId xmlns:a16="http://schemas.microsoft.com/office/drawing/2014/main" id="{980894FD-6D04-6450-380F-1AD7722F5AB9}"/>
-              </a:ext>
-            </a:extLst>
-          </p:cNvPr>
-          <p:cNvCxnSpPr/>
-          <p:nvPr/>
-        </p:nvCxnSpPr>
-        <p:spPr>
-          <a:xfrm>
-            <a:off x="9992370" y="1139189"/>
-            <a:ext cx="0" cy="461163"/>
-          </a:xfrm>
-          <a:prstGeom prst="straightConnector1">
-            <a:avLst/>
-          </a:prstGeom>
-          <a:ln w="38100">
-            <a:solidFill>
-              <a:srgbClr val="C00000"/>
-            </a:solidFill>
-            <a:tailEnd type="triangle"/>
-          </a:ln>
-        </p:spPr>
-        <p:style>
-          <a:lnRef idx="2">
-            <a:schemeClr val="accent1"/>
-          </a:lnRef>
-          <a:fillRef idx="0">
-            <a:schemeClr val="accent1"/>
-          </a:fillRef>
-          <a:effectRef idx="1">
-            <a:schemeClr val="accent1"/>
-          </a:effectRef>
-          <a:fontRef idx="minor">
-            <a:schemeClr val="tx1"/>
-          </a:fontRef>
-        </p:style>
-      </p:cxnSp>
-      <p:cxnSp>
-        <p:nvCxnSpPr>
-          <p:cNvPr id="52" name="Straight Arrow Connector 51">
-            <a:extLst>
-              <a:ext uri="{FF2B5EF4-FFF2-40B4-BE49-F238E27FC236}">
-                <a16:creationId xmlns:a16="http://schemas.microsoft.com/office/drawing/2014/main" id="{4524BF9E-5DA8-2891-7B18-906197FD59A5}"/>
-              </a:ext>
-            </a:extLst>
-          </p:cNvPr>
-          <p:cNvCxnSpPr>
-            <a:cxnSpLocks/>
-          </p:cNvCxnSpPr>
-          <p:nvPr/>
-        </p:nvCxnSpPr>
-        <p:spPr>
-          <a:xfrm flipV="1">
-            <a:off x="10499100" y="1139189"/>
-            <a:ext cx="0" cy="461163"/>
-          </a:xfrm>
-          <a:prstGeom prst="straightConnector1">
-            <a:avLst/>
-          </a:prstGeom>
-          <a:ln w="38100">
-            <a:solidFill>
-              <a:srgbClr val="C00000"/>
-            </a:solidFill>
-            <a:tailEnd type="triangle"/>
-          </a:ln>
-        </p:spPr>
-        <p:style>
-          <a:lnRef idx="2">
-            <a:schemeClr val="accent1"/>
-          </a:lnRef>
-          <a:fillRef idx="0">
-            <a:schemeClr val="accent1"/>
-          </a:fillRef>
-          <a:effectRef idx="1">
-            <a:schemeClr val="accent1"/>
-          </a:effectRef>
-          <a:fontRef idx="minor">
-            <a:schemeClr val="tx1"/>
-          </a:fontRef>
-        </p:style>
-      </p:cxnSp>
       <p:sp>
         <p:nvSpPr>
-          <p:cNvPr id="201" name="Parallelogram 200">
-            <a:extLst>
-              <a:ext uri="{FF2B5EF4-FFF2-40B4-BE49-F238E27FC236}">
-                <a16:creationId xmlns:a16="http://schemas.microsoft.com/office/drawing/2014/main" id="{7AE5D347-8C61-1515-8F5C-75073962AFC1}"/>
+          <p:cNvPr id="202" name="Process 201">
+            <a:extLst>
+              <a:ext uri="{FF2B5EF4-FFF2-40B4-BE49-F238E27FC236}">
+                <a16:creationId xmlns:a16="http://schemas.microsoft.com/office/drawing/2014/main" id="{A65592B1-70D6-0F53-87F4-74D60528C5D0}"/>
               </a:ext>
             </a:extLst>
           </p:cNvPr>
@@ -9610,55 +9860,7 @@
         </p:nvSpPr>
         <p:spPr>
           <a:xfrm>
-            <a:off x="6560803" y="2599792"/>
-            <a:ext cx="1503680" cy="558165"/>
-          </a:xfrm>
-          <a:prstGeom prst="parallelogram">
-            <a:avLst/>
-          </a:prstGeom>
-        </p:spPr>
-        <p:style>
-          <a:lnRef idx="0">
-            <a:schemeClr val="accent1"/>
-          </a:lnRef>
-          <a:fillRef idx="3">
-            <a:schemeClr val="accent1"/>
-          </a:fillRef>
-          <a:effectRef idx="3">
-            <a:schemeClr val="accent1"/>
-          </a:effectRef>
-          <a:fontRef idx="minor">
-            <a:schemeClr val="lt1"/>
-          </a:fontRef>
-        </p:style>
-        <p:txBody>
-          <a:bodyPr rtlCol="0" anchor="ctr"/>
-          <a:lstStyle/>
-          <a:p>
-            <a:pPr algn="ctr"/>
-            <a:r>
-              <a:rPr lang="en-US" dirty="0" err="1"/>
-              <a:t>Model_C</a:t>
-            </a:r>
-            <a:endParaRPr lang="en-US" dirty="0"/>
-          </a:p>
-        </p:txBody>
-      </p:sp>
-      <p:sp>
-        <p:nvSpPr>
-          <p:cNvPr id="202" name="Process 201">
-            <a:extLst>
-              <a:ext uri="{FF2B5EF4-FFF2-40B4-BE49-F238E27FC236}">
-                <a16:creationId xmlns:a16="http://schemas.microsoft.com/office/drawing/2014/main" id="{A65592B1-70D6-0F53-87F4-74D60528C5D0}"/>
-              </a:ext>
-            </a:extLst>
-          </p:cNvPr>
-          <p:cNvSpPr/>
-          <p:nvPr/>
-        </p:nvSpPr>
-        <p:spPr>
-          <a:xfrm>
-            <a:off x="6306803" y="3619120"/>
+            <a:off x="6847716" y="3619120"/>
             <a:ext cx="2011680" cy="538277"/>
           </a:xfrm>
           <a:prstGeom prst="flowChartProcess">
@@ -9706,7 +9908,7 @@
         </p:nvCxnSpPr>
         <p:spPr>
           <a:xfrm>
-            <a:off x="7021830" y="3157957"/>
+            <a:off x="7562743" y="3157957"/>
             <a:ext cx="0" cy="461163"/>
           </a:xfrm>
           <a:prstGeom prst="straightConnector1">
@@ -9750,7 +9952,7 @@
         </p:nvCxnSpPr>
         <p:spPr>
           <a:xfrm flipV="1">
-            <a:off x="7528560" y="3157957"/>
+            <a:off x="8069473" y="3157957"/>
             <a:ext cx="0" cy="461163"/>
           </a:xfrm>
           <a:prstGeom prst="straightConnector1">
@@ -9792,7 +9994,7 @@
         </p:nvSpPr>
         <p:spPr>
           <a:xfrm>
-            <a:off x="6560803" y="4638448"/>
+            <a:off x="7101716" y="4638448"/>
             <a:ext cx="1503680" cy="558165"/>
           </a:xfrm>
           <a:prstGeom prst="parallelogram">
@@ -9840,7 +10042,7 @@
         </p:nvSpPr>
         <p:spPr>
           <a:xfrm>
-            <a:off x="6306803" y="5657776"/>
+            <a:off x="6847716" y="5657776"/>
             <a:ext cx="2011680" cy="538277"/>
           </a:xfrm>
           <a:prstGeom prst="flowChartProcess">
@@ -9888,7 +10090,7 @@
         </p:nvCxnSpPr>
         <p:spPr>
           <a:xfrm>
-            <a:off x="7021830" y="5196613"/>
+            <a:off x="7562743" y="5196613"/>
             <a:ext cx="0" cy="461163"/>
           </a:xfrm>
           <a:prstGeom prst="straightConnector1">
@@ -9932,7 +10134,7 @@
         </p:nvCxnSpPr>
         <p:spPr>
           <a:xfrm flipV="1">
-            <a:off x="7528560" y="5196613"/>
+            <a:off x="8069473" y="5196613"/>
             <a:ext cx="0" cy="461163"/>
           </a:xfrm>
           <a:prstGeom prst="straightConnector1">
@@ -9978,8 +10180,8 @@
         </p:nvCxnSpPr>
         <p:spPr>
           <a:xfrm>
-            <a:off x="8318483" y="3888259"/>
-            <a:ext cx="984256" cy="0"/>
+            <a:off x="8859396" y="3888259"/>
+            <a:ext cx="443343" cy="0"/>
           </a:xfrm>
           <a:prstGeom prst="straightConnector1">
             <a:avLst/>
@@ -10051,140 +10253,6 @@
           </a:p>
         </p:txBody>
       </p:sp>
-      <p:sp>
-        <p:nvSpPr>
-          <p:cNvPr id="211" name="Parallelogram 210">
-            <a:extLst>
-              <a:ext uri="{FF2B5EF4-FFF2-40B4-BE49-F238E27FC236}">
-                <a16:creationId xmlns:a16="http://schemas.microsoft.com/office/drawing/2014/main" id="{C81C45E0-EE22-4463-6505-9348CB9E6CCA}"/>
-              </a:ext>
-            </a:extLst>
-          </p:cNvPr>
-          <p:cNvSpPr/>
-          <p:nvPr/>
-        </p:nvSpPr>
-        <p:spPr>
-          <a:xfrm>
-            <a:off x="9556738" y="2599792"/>
-            <a:ext cx="1503680" cy="558165"/>
-          </a:xfrm>
-          <a:prstGeom prst="parallelogram">
-            <a:avLst/>
-          </a:prstGeom>
-        </p:spPr>
-        <p:style>
-          <a:lnRef idx="0">
-            <a:schemeClr val="accent3"/>
-          </a:lnRef>
-          <a:fillRef idx="3">
-            <a:schemeClr val="accent3"/>
-          </a:fillRef>
-          <a:effectRef idx="3">
-            <a:schemeClr val="accent3"/>
-          </a:effectRef>
-          <a:fontRef idx="minor">
-            <a:schemeClr val="lt1"/>
-          </a:fontRef>
-        </p:style>
-        <p:txBody>
-          <a:bodyPr rtlCol="0" anchor="ctr"/>
-          <a:lstStyle/>
-          <a:p>
-            <a:pPr algn="ctr"/>
-            <a:r>
-              <a:rPr lang="en-US" dirty="0" err="1"/>
-              <a:t>Model_A</a:t>
-            </a:r>
-            <a:endParaRPr lang="en-US" dirty="0"/>
-          </a:p>
-        </p:txBody>
-      </p:sp>
-      <p:cxnSp>
-        <p:nvCxnSpPr>
-          <p:cNvPr id="212" name="Straight Arrow Connector 211">
-            <a:extLst>
-              <a:ext uri="{FF2B5EF4-FFF2-40B4-BE49-F238E27FC236}">
-                <a16:creationId xmlns:a16="http://schemas.microsoft.com/office/drawing/2014/main" id="{6B979614-1A44-3E78-CA5F-3148E2FDCA68}"/>
-              </a:ext>
-            </a:extLst>
-          </p:cNvPr>
-          <p:cNvCxnSpPr/>
-          <p:nvPr/>
-        </p:nvCxnSpPr>
-        <p:spPr>
-          <a:xfrm>
-            <a:off x="9992370" y="3157957"/>
-            <a:ext cx="0" cy="461163"/>
-          </a:xfrm>
-          <a:prstGeom prst="straightConnector1">
-            <a:avLst/>
-          </a:prstGeom>
-          <a:ln w="38100">
-            <a:solidFill>
-              <a:srgbClr val="C00000"/>
-            </a:solidFill>
-            <a:tailEnd type="triangle"/>
-          </a:ln>
-        </p:spPr>
-        <p:style>
-          <a:lnRef idx="2">
-            <a:schemeClr val="accent1"/>
-          </a:lnRef>
-          <a:fillRef idx="0">
-            <a:schemeClr val="accent1"/>
-          </a:fillRef>
-          <a:effectRef idx="1">
-            <a:schemeClr val="accent1"/>
-          </a:effectRef>
-          <a:fontRef idx="minor">
-            <a:schemeClr val="tx1"/>
-          </a:fontRef>
-        </p:style>
-      </p:cxnSp>
-      <p:cxnSp>
-        <p:nvCxnSpPr>
-          <p:cNvPr id="213" name="Straight Arrow Connector 212">
-            <a:extLst>
-              <a:ext uri="{FF2B5EF4-FFF2-40B4-BE49-F238E27FC236}">
-                <a16:creationId xmlns:a16="http://schemas.microsoft.com/office/drawing/2014/main" id="{DC0B6643-0FEC-729C-C672-5F3AADC14B7F}"/>
-              </a:ext>
-            </a:extLst>
-          </p:cNvPr>
-          <p:cNvCxnSpPr>
-            <a:cxnSpLocks/>
-          </p:cNvCxnSpPr>
-          <p:nvPr/>
-        </p:nvCxnSpPr>
-        <p:spPr>
-          <a:xfrm flipV="1">
-            <a:off x="10499100" y="3157957"/>
-            <a:ext cx="0" cy="461163"/>
-          </a:xfrm>
-          <a:prstGeom prst="straightConnector1">
-            <a:avLst/>
-          </a:prstGeom>
-          <a:ln w="38100">
-            <a:solidFill>
-              <a:srgbClr val="C00000"/>
-            </a:solidFill>
-            <a:tailEnd type="triangle"/>
-          </a:ln>
-        </p:spPr>
-        <p:style>
-          <a:lnRef idx="2">
-            <a:schemeClr val="accent1"/>
-          </a:lnRef>
-          <a:fillRef idx="0">
-            <a:schemeClr val="accent1"/>
-          </a:fillRef>
-          <a:effectRef idx="1">
-            <a:schemeClr val="accent1"/>
-          </a:effectRef>
-          <a:fontRef idx="minor">
-            <a:schemeClr val="tx1"/>
-          </a:fontRef>
-        </p:style>
-      </p:cxnSp>
       <p:cxnSp>
         <p:nvCxnSpPr>
           <p:cNvPr id="214" name="Straight Arrow Connector 213">
@@ -10203,8 +10271,8 @@
         </p:nvCxnSpPr>
         <p:spPr>
           <a:xfrm>
-            <a:off x="8318483" y="5926915"/>
-            <a:ext cx="984256" cy="0"/>
+            <a:off x="8859396" y="5926915"/>
+            <a:ext cx="443343" cy="0"/>
           </a:xfrm>
           <a:prstGeom prst="straightConnector1">
             <a:avLst/>
@@ -10276,140 +10344,6 @@
           </a:p>
         </p:txBody>
       </p:sp>
-      <p:sp>
-        <p:nvSpPr>
-          <p:cNvPr id="216" name="Parallelogram 215">
-            <a:extLst>
-              <a:ext uri="{FF2B5EF4-FFF2-40B4-BE49-F238E27FC236}">
-                <a16:creationId xmlns:a16="http://schemas.microsoft.com/office/drawing/2014/main" id="{C1F7A844-70B7-B2F3-882F-A52173173C17}"/>
-              </a:ext>
-            </a:extLst>
-          </p:cNvPr>
-          <p:cNvSpPr/>
-          <p:nvPr/>
-        </p:nvSpPr>
-        <p:spPr>
-          <a:xfrm>
-            <a:off x="9556738" y="4638448"/>
-            <a:ext cx="1503680" cy="558165"/>
-          </a:xfrm>
-          <a:prstGeom prst="parallelogram">
-            <a:avLst/>
-          </a:prstGeom>
-        </p:spPr>
-        <p:style>
-          <a:lnRef idx="0">
-            <a:schemeClr val="accent3"/>
-          </a:lnRef>
-          <a:fillRef idx="3">
-            <a:schemeClr val="accent3"/>
-          </a:fillRef>
-          <a:effectRef idx="3">
-            <a:schemeClr val="accent3"/>
-          </a:effectRef>
-          <a:fontRef idx="minor">
-            <a:schemeClr val="lt1"/>
-          </a:fontRef>
-        </p:style>
-        <p:txBody>
-          <a:bodyPr rtlCol="0" anchor="ctr"/>
-          <a:lstStyle/>
-          <a:p>
-            <a:pPr algn="ctr"/>
-            <a:r>
-              <a:rPr lang="en-US" dirty="0" err="1"/>
-              <a:t>Model_A</a:t>
-            </a:r>
-            <a:endParaRPr lang="en-US" dirty="0"/>
-          </a:p>
-        </p:txBody>
-      </p:sp>
-      <p:cxnSp>
-        <p:nvCxnSpPr>
-          <p:cNvPr id="217" name="Straight Arrow Connector 216">
-            <a:extLst>
-              <a:ext uri="{FF2B5EF4-FFF2-40B4-BE49-F238E27FC236}">
-                <a16:creationId xmlns:a16="http://schemas.microsoft.com/office/drawing/2014/main" id="{76FB3813-B125-17B3-A93E-3A7444E05215}"/>
-              </a:ext>
-            </a:extLst>
-          </p:cNvPr>
-          <p:cNvCxnSpPr/>
-          <p:nvPr/>
-        </p:nvCxnSpPr>
-        <p:spPr>
-          <a:xfrm>
-            <a:off x="9992370" y="5196613"/>
-            <a:ext cx="0" cy="461163"/>
-          </a:xfrm>
-          <a:prstGeom prst="straightConnector1">
-            <a:avLst/>
-          </a:prstGeom>
-          <a:ln w="38100">
-            <a:solidFill>
-              <a:srgbClr val="C00000"/>
-            </a:solidFill>
-            <a:tailEnd type="triangle"/>
-          </a:ln>
-        </p:spPr>
-        <p:style>
-          <a:lnRef idx="2">
-            <a:schemeClr val="accent1"/>
-          </a:lnRef>
-          <a:fillRef idx="0">
-            <a:schemeClr val="accent1"/>
-          </a:fillRef>
-          <a:effectRef idx="1">
-            <a:schemeClr val="accent1"/>
-          </a:effectRef>
-          <a:fontRef idx="minor">
-            <a:schemeClr val="tx1"/>
-          </a:fontRef>
-        </p:style>
-      </p:cxnSp>
-      <p:cxnSp>
-        <p:nvCxnSpPr>
-          <p:cNvPr id="218" name="Straight Arrow Connector 217">
-            <a:extLst>
-              <a:ext uri="{FF2B5EF4-FFF2-40B4-BE49-F238E27FC236}">
-                <a16:creationId xmlns:a16="http://schemas.microsoft.com/office/drawing/2014/main" id="{063C3254-F84B-7C6E-B7DE-962B8B0D0500}"/>
-              </a:ext>
-            </a:extLst>
-          </p:cNvPr>
-          <p:cNvCxnSpPr>
-            <a:cxnSpLocks/>
-          </p:cNvCxnSpPr>
-          <p:nvPr/>
-        </p:nvCxnSpPr>
-        <p:spPr>
-          <a:xfrm flipV="1">
-            <a:off x="10499100" y="5196613"/>
-            <a:ext cx="0" cy="461163"/>
-          </a:xfrm>
-          <a:prstGeom prst="straightConnector1">
-            <a:avLst/>
-          </a:prstGeom>
-          <a:ln w="38100">
-            <a:solidFill>
-              <a:srgbClr val="C00000"/>
-            </a:solidFill>
-            <a:tailEnd type="triangle"/>
-          </a:ln>
-        </p:spPr>
-        <p:style>
-          <a:lnRef idx="2">
-            <a:schemeClr val="accent1"/>
-          </a:lnRef>
-          <a:fillRef idx="0">
-            <a:schemeClr val="accent1"/>
-          </a:fillRef>
-          <a:effectRef idx="1">
-            <a:schemeClr val="accent1"/>
-          </a:effectRef>
-          <a:fontRef idx="minor">
-            <a:schemeClr val="tx1"/>
-          </a:fontRef>
-        </p:style>
-      </p:cxnSp>
       <p:grpSp>
         <p:nvGrpSpPr>
           <p:cNvPr id="240" name="Group 239">
@@ -10424,7 +10358,7 @@
         </p:nvGrpSpPr>
         <p:grpSpPr>
           <a:xfrm>
-            <a:off x="364263" y="2934205"/>
+            <a:off x="383805" y="2407768"/>
             <a:ext cx="2278677" cy="1919037"/>
             <a:chOff x="364952" y="4483554"/>
             <a:chExt cx="2278677" cy="1919037"/>
@@ -10746,8 +10680,8 @@
         </p:nvCxnSpPr>
         <p:spPr>
           <a:xfrm rot="16200000" flipH="1">
-            <a:off x="4436940" y="2018396"/>
-            <a:ext cx="1749630" cy="1990095"/>
+            <a:off x="5312704" y="2353247"/>
+            <a:ext cx="1749630" cy="1320393"/>
           </a:xfrm>
           <a:prstGeom prst="bentConnector2">
             <a:avLst/>
@@ -10789,8 +10723,8 @@
         </p:nvCxnSpPr>
         <p:spPr>
           <a:xfrm rot="16200000" flipH="1">
-            <a:off x="3417612" y="3037724"/>
-            <a:ext cx="3788286" cy="1990095"/>
+            <a:off x="4293376" y="3372575"/>
+            <a:ext cx="3788286" cy="1320393"/>
           </a:xfrm>
           <a:prstGeom prst="bentConnector2">
             <a:avLst/>
@@ -10814,6 +10748,47 @@
           </a:fontRef>
         </p:style>
       </p:cxnSp>
+      <p:sp>
+        <p:nvSpPr>
+          <p:cNvPr id="2" name="TextBox 1">
+            <a:extLst>
+              <a:ext uri="{FF2B5EF4-FFF2-40B4-BE49-F238E27FC236}">
+                <a16:creationId xmlns:a16="http://schemas.microsoft.com/office/drawing/2014/main" id="{43A53DC8-2CA3-3C42-9D3E-CCA3DC5AC2CE}"/>
+              </a:ext>
+            </a:extLst>
+          </p:cNvPr>
+          <p:cNvSpPr txBox="1"/>
+          <p:nvPr/>
+        </p:nvSpPr>
+        <p:spPr>
+          <a:xfrm>
+            <a:off x="295747" y="4944366"/>
+            <a:ext cx="5045986" cy="1323439"/>
+          </a:xfrm>
+          <a:prstGeom prst="rect">
+            <a:avLst/>
+          </a:prstGeom>
+          <a:solidFill>
+            <a:srgbClr val="FFFFFF"/>
+          </a:solidFill>
+        </p:spPr>
+        <p:txBody>
+          <a:bodyPr wrap="square" rtlCol="0">
+            <a:spAutoFit/>
+          </a:bodyPr>
+          <a:lstStyle/>
+          <a:p>
+            <a:r>
+              <a:rPr lang="en-US" sz="2000" dirty="0">
+                <a:solidFill>
+                  <a:srgbClr val="002060"/>
+                </a:solidFill>
+              </a:rPr>
+              <a:t>With the improvements outlined earlier, we developed a workflow script that allows a user to specify n models and process them concurrently.</a:t>
+            </a:r>
+          </a:p>
+        </p:txBody>
+      </p:sp>
     </p:spTree>
     <p:extLst>
       <p:ext uri="{BB962C8B-B14F-4D97-AF65-F5344CB8AC3E}">
@@ -10827,7 +10802,7 @@
 </p:sld>
 </file>
 
-<file path=ppt/slides/slide4.xml><?xml version="1.0" encoding="utf-8"?>
+<file path=ppt/slides/slide5.xml><?xml version="1.0" encoding="utf-8"?>
 <p:sld xmlns:a="http://schemas.openxmlformats.org/drawingml/2006/main" xmlns:r="http://schemas.openxmlformats.org/officeDocument/2006/relationships" xmlns:p="http://schemas.openxmlformats.org/presentationml/2006/main">
   <p:cSld>
     <p:spTree>
@@ -10943,97 +10918,6 @@
       </p:sp>
       <p:sp>
         <p:nvSpPr>
-          <p:cNvPr id="24" name="Document 23">
-            <a:extLst>
-              <a:ext uri="{FF2B5EF4-FFF2-40B4-BE49-F238E27FC236}">
-                <a16:creationId xmlns:a16="http://schemas.microsoft.com/office/drawing/2014/main" id="{914CA9B3-2417-C664-C888-E1D792C2CD3E}"/>
-              </a:ext>
-            </a:extLst>
-          </p:cNvPr>
-          <p:cNvSpPr>
-            <a:spLocks noChangeAspect="1"/>
-          </p:cNvSpPr>
-          <p:nvPr/>
-        </p:nvSpPr>
-        <p:spPr>
-          <a:xfrm>
-            <a:off x="1001283" y="2282568"/>
-            <a:ext cx="640080" cy="359682"/>
-          </a:xfrm>
-          <a:prstGeom prst="flowChartDocument">
-            <a:avLst/>
-          </a:prstGeom>
-        </p:spPr>
-        <p:style>
-          <a:lnRef idx="1">
-            <a:schemeClr val="accent1"/>
-          </a:lnRef>
-          <a:fillRef idx="2">
-            <a:schemeClr val="accent1"/>
-          </a:fillRef>
-          <a:effectRef idx="1">
-            <a:schemeClr val="accent1"/>
-          </a:effectRef>
-          <a:fontRef idx="minor">
-            <a:schemeClr val="dk1"/>
-          </a:fontRef>
-        </p:style>
-        <p:txBody>
-          <a:bodyPr rtlCol="0" anchor="ctr"/>
-          <a:lstStyle/>
-          <a:p>
-            <a:pPr algn="ctr"/>
-            <a:r>
-              <a:rPr lang="en-US" sz="1400" b="1" dirty="0"/>
-              <a:t>pdf</a:t>
-            </a:r>
-          </a:p>
-        </p:txBody>
-      </p:sp>
-      <p:cxnSp>
-        <p:nvCxnSpPr>
-          <p:cNvPr id="27" name="Straight Arrow Connector 26">
-            <a:extLst>
-              <a:ext uri="{FF2B5EF4-FFF2-40B4-BE49-F238E27FC236}">
-                <a16:creationId xmlns:a16="http://schemas.microsoft.com/office/drawing/2014/main" id="{492FD8C9-2DA1-2ED5-0CBE-DA0187ADAB8A}"/>
-              </a:ext>
-            </a:extLst>
-          </p:cNvPr>
-          <p:cNvCxnSpPr>
-            <a:cxnSpLocks/>
-            <a:stCxn id="24" idx="3"/>
-          </p:cNvCxnSpPr>
-          <p:nvPr/>
-        </p:nvCxnSpPr>
-        <p:spPr>
-          <a:xfrm flipV="1">
-            <a:off x="1641363" y="2460610"/>
-            <a:ext cx="1669505" cy="1799"/>
-          </a:xfrm>
-          <a:prstGeom prst="straightConnector1">
-            <a:avLst/>
-          </a:prstGeom>
-          <a:ln w="12700">
-            <a:tailEnd type="triangle"/>
-          </a:ln>
-        </p:spPr>
-        <p:style>
-          <a:lnRef idx="2">
-            <a:schemeClr val="accent1"/>
-          </a:lnRef>
-          <a:fillRef idx="0">
-            <a:schemeClr val="accent1"/>
-          </a:fillRef>
-          <a:effectRef idx="1">
-            <a:schemeClr val="accent1"/>
-          </a:effectRef>
-          <a:fontRef idx="minor">
-            <a:schemeClr val="tx1"/>
-          </a:fontRef>
-        </p:style>
-      </p:cxnSp>
-      <p:sp>
-        <p:nvSpPr>
           <p:cNvPr id="32" name="Process 31">
             <a:extLst>
               <a:ext uri="{FF2B5EF4-FFF2-40B4-BE49-F238E27FC236}">
@@ -11256,153 +11140,6 @@
           </a:fontRef>
         </p:style>
       </p:cxnSp>
-      <p:sp>
-        <p:nvSpPr>
-          <p:cNvPr id="100" name="Document 99">
-            <a:extLst>
-              <a:ext uri="{FF2B5EF4-FFF2-40B4-BE49-F238E27FC236}">
-                <a16:creationId xmlns:a16="http://schemas.microsoft.com/office/drawing/2014/main" id="{A453DAE1-413C-A332-14B5-9643584C5B2A}"/>
-              </a:ext>
-            </a:extLst>
-          </p:cNvPr>
-          <p:cNvSpPr>
-            <a:spLocks noChangeAspect="1"/>
-          </p:cNvSpPr>
-          <p:nvPr/>
-        </p:nvSpPr>
-        <p:spPr>
-          <a:xfrm>
-            <a:off x="1055889" y="2341130"/>
-            <a:ext cx="640080" cy="359682"/>
-          </a:xfrm>
-          <a:prstGeom prst="flowChartDocument">
-            <a:avLst/>
-          </a:prstGeom>
-        </p:spPr>
-        <p:style>
-          <a:lnRef idx="1">
-            <a:schemeClr val="accent1"/>
-          </a:lnRef>
-          <a:fillRef idx="2">
-            <a:schemeClr val="accent1"/>
-          </a:fillRef>
-          <a:effectRef idx="1">
-            <a:schemeClr val="accent1"/>
-          </a:effectRef>
-          <a:fontRef idx="minor">
-            <a:schemeClr val="dk1"/>
-          </a:fontRef>
-        </p:style>
-        <p:txBody>
-          <a:bodyPr rtlCol="0" anchor="ctr"/>
-          <a:lstStyle/>
-          <a:p>
-            <a:pPr algn="ctr"/>
-            <a:r>
-              <a:rPr lang="en-US" sz="1400" b="1" dirty="0"/>
-              <a:t>pdf</a:t>
-            </a:r>
-          </a:p>
-        </p:txBody>
-      </p:sp>
-      <p:sp>
-        <p:nvSpPr>
-          <p:cNvPr id="103" name="Document 102">
-            <a:extLst>
-              <a:ext uri="{FF2B5EF4-FFF2-40B4-BE49-F238E27FC236}">
-                <a16:creationId xmlns:a16="http://schemas.microsoft.com/office/drawing/2014/main" id="{35ED603B-F4E4-425E-398E-39E6711CB4CB}"/>
-              </a:ext>
-            </a:extLst>
-          </p:cNvPr>
-          <p:cNvSpPr>
-            <a:spLocks noChangeAspect="1"/>
-          </p:cNvSpPr>
-          <p:nvPr/>
-        </p:nvSpPr>
-        <p:spPr>
-          <a:xfrm>
-            <a:off x="1110494" y="2399693"/>
-            <a:ext cx="640080" cy="359682"/>
-          </a:xfrm>
-          <a:prstGeom prst="flowChartDocument">
-            <a:avLst/>
-          </a:prstGeom>
-        </p:spPr>
-        <p:style>
-          <a:lnRef idx="1">
-            <a:schemeClr val="accent1"/>
-          </a:lnRef>
-          <a:fillRef idx="2">
-            <a:schemeClr val="accent1"/>
-          </a:fillRef>
-          <a:effectRef idx="1">
-            <a:schemeClr val="accent1"/>
-          </a:effectRef>
-          <a:fontRef idx="minor">
-            <a:schemeClr val="dk1"/>
-          </a:fontRef>
-        </p:style>
-        <p:txBody>
-          <a:bodyPr rtlCol="0" anchor="ctr"/>
-          <a:lstStyle/>
-          <a:p>
-            <a:pPr algn="ctr"/>
-            <a:r>
-              <a:rPr lang="en-US" sz="1400" b="1" dirty="0"/>
-              <a:t>pdf</a:t>
-            </a:r>
-          </a:p>
-        </p:txBody>
-      </p:sp>
-      <p:sp>
-        <p:nvSpPr>
-          <p:cNvPr id="104" name="Document 103">
-            <a:extLst>
-              <a:ext uri="{FF2B5EF4-FFF2-40B4-BE49-F238E27FC236}">
-                <a16:creationId xmlns:a16="http://schemas.microsoft.com/office/drawing/2014/main" id="{518E3B08-BD62-7D24-C397-405FF00DB881}"/>
-              </a:ext>
-            </a:extLst>
-          </p:cNvPr>
-          <p:cNvSpPr>
-            <a:spLocks noChangeAspect="1"/>
-          </p:cNvSpPr>
-          <p:nvPr/>
-        </p:nvSpPr>
-        <p:spPr>
-          <a:xfrm>
-            <a:off x="1226509" y="2525422"/>
-            <a:ext cx="640080" cy="359682"/>
-          </a:xfrm>
-          <a:prstGeom prst="flowChartDocument">
-            <a:avLst/>
-          </a:prstGeom>
-        </p:spPr>
-        <p:style>
-          <a:lnRef idx="1">
-            <a:schemeClr val="accent1"/>
-          </a:lnRef>
-          <a:fillRef idx="2">
-            <a:schemeClr val="accent1"/>
-          </a:fillRef>
-          <a:effectRef idx="1">
-            <a:schemeClr val="accent1"/>
-          </a:effectRef>
-          <a:fontRef idx="minor">
-            <a:schemeClr val="dk1"/>
-          </a:fontRef>
-        </p:style>
-        <p:txBody>
-          <a:bodyPr rtlCol="0" anchor="ctr"/>
-          <a:lstStyle/>
-          <a:p>
-            <a:pPr algn="ctr"/>
-            <a:r>
-              <a:rPr lang="en-US" sz="1400" b="1" dirty="0"/>
-              <a:t>pdf</a:t>
-            </a:r>
-          </a:p>
-        </p:txBody>
-      </p:sp>
       <p:grpSp>
         <p:nvGrpSpPr>
           <p:cNvPr id="111" name="Group 110">
@@ -11638,7 +11375,7 @@
         </p:nvGrpSpPr>
         <p:grpSpPr>
           <a:xfrm>
-            <a:off x="312950" y="3197670"/>
+            <a:off x="361236" y="2421136"/>
             <a:ext cx="2278677" cy="1919037"/>
             <a:chOff x="364952" y="4483554"/>
             <a:chExt cx="2278677" cy="1919037"/>
@@ -11957,7 +11694,7 @@
         </p:nvGrpSpPr>
         <p:grpSpPr>
           <a:xfrm>
-            <a:off x="3930047" y="3935073"/>
+            <a:off x="3672065" y="3206306"/>
             <a:ext cx="921839" cy="828067"/>
             <a:chOff x="4303609" y="4647408"/>
             <a:chExt cx="921839" cy="828067"/>
@@ -12427,27 +12164,29 @@
       </p:grpSp>
       <p:cxnSp>
         <p:nvCxnSpPr>
-          <p:cNvPr id="29" name="Straight Arrow Connector 28">
-            <a:extLst>
-              <a:ext uri="{FF2B5EF4-FFF2-40B4-BE49-F238E27FC236}">
-                <a16:creationId xmlns:a16="http://schemas.microsoft.com/office/drawing/2014/main" id="{6804F883-02DD-5E26-1699-2A1FA4BC0DC3}"/>
+          <p:cNvPr id="2" name="Straight Arrow Connector 1">
+            <a:extLst>
+              <a:ext uri="{FF2B5EF4-FFF2-40B4-BE49-F238E27FC236}">
+                <a16:creationId xmlns:a16="http://schemas.microsoft.com/office/drawing/2014/main" id="{100050B4-7D6D-4FF0-4CF9-11C508A9105E}"/>
               </a:ext>
             </a:extLst>
           </p:cNvPr>
           <p:cNvCxnSpPr>
             <a:cxnSpLocks/>
+            <a:stCxn id="5" idx="3"/>
+            <a:endCxn id="10" idx="1"/>
           </p:cNvCxnSpPr>
           <p:nvPr/>
         </p:nvCxnSpPr>
         <p:spPr>
           <a:xfrm>
-            <a:off x="5868982" y="2722897"/>
-            <a:ext cx="544537" cy="0"/>
+            <a:off x="8318483" y="1869491"/>
+            <a:ext cx="984256" cy="0"/>
           </a:xfrm>
           <a:prstGeom prst="straightConnector1">
             <a:avLst/>
           </a:prstGeom>
-          <a:ln w="12700">
+          <a:ln>
             <a:tailEnd type="triangle"/>
           </a:ln>
         </p:spPr>
@@ -12468,10 +12207,10 @@
       </p:cxnSp>
       <p:sp>
         <p:nvSpPr>
-          <p:cNvPr id="30" name="Cloud 29">
-            <a:extLst>
-              <a:ext uri="{FF2B5EF4-FFF2-40B4-BE49-F238E27FC236}">
-                <a16:creationId xmlns:a16="http://schemas.microsoft.com/office/drawing/2014/main" id="{31693164-F161-1274-32B9-F8D56E4B8965}"/>
+          <p:cNvPr id="4" name="Parallelogram 3">
+            <a:extLst>
+              <a:ext uri="{FF2B5EF4-FFF2-40B4-BE49-F238E27FC236}">
+                <a16:creationId xmlns:a16="http://schemas.microsoft.com/office/drawing/2014/main" id="{02AFACA9-C197-2660-F180-18161C3B5CB1}"/>
               </a:ext>
             </a:extLst>
           </p:cNvPr>
@@ -12480,25 +12219,25 @@
         </p:nvSpPr>
         <p:spPr>
           <a:xfrm>
-            <a:off x="6628553" y="2097575"/>
-            <a:ext cx="2001078" cy="1575058"/>
-          </a:xfrm>
-          <a:prstGeom prst="cloud">
+            <a:off x="6560803" y="581024"/>
+            <a:ext cx="1503680" cy="558165"/>
+          </a:xfrm>
+          <a:prstGeom prst="parallelogram">
             <a:avLst/>
           </a:prstGeom>
         </p:spPr>
         <p:style>
-          <a:lnRef idx="1">
-            <a:schemeClr val="accent5"/>
+          <a:lnRef idx="0">
+            <a:schemeClr val="accent2"/>
           </a:lnRef>
-          <a:fillRef idx="2">
-            <a:schemeClr val="accent5"/>
+          <a:fillRef idx="3">
+            <a:schemeClr val="accent2"/>
           </a:fillRef>
-          <a:effectRef idx="1">
-            <a:schemeClr val="accent5"/>
+          <a:effectRef idx="3">
+            <a:schemeClr val="accent2"/>
           </a:effectRef>
           <a:fontRef idx="minor">
-            <a:schemeClr val="dk1"/>
+            <a:schemeClr val="lt1"/>
           </a:fontRef>
         </p:style>
         <p:txBody>
@@ -12507,12 +12246,1249 @@
           <a:p>
             <a:pPr algn="ctr"/>
             <a:r>
-              <a:rPr lang="en-US" dirty="0"/>
-              <a:t>Test model knowledge</a:t>
+              <a:rPr lang="en-US" dirty="0" err="1"/>
+              <a:t>Model_B</a:t>
             </a:r>
+            <a:endParaRPr lang="en-US" dirty="0"/>
           </a:p>
         </p:txBody>
       </p:sp>
+      <p:sp>
+        <p:nvSpPr>
+          <p:cNvPr id="5" name="Process 4">
+            <a:extLst>
+              <a:ext uri="{FF2B5EF4-FFF2-40B4-BE49-F238E27FC236}">
+                <a16:creationId xmlns:a16="http://schemas.microsoft.com/office/drawing/2014/main" id="{F94B4023-1C5F-D551-E5AF-EF1436CF784F}"/>
+              </a:ext>
+            </a:extLst>
+          </p:cNvPr>
+          <p:cNvSpPr/>
+          <p:nvPr/>
+        </p:nvSpPr>
+        <p:spPr>
+          <a:xfrm>
+            <a:off x="6306803" y="1600352"/>
+            <a:ext cx="2011680" cy="538277"/>
+          </a:xfrm>
+          <a:prstGeom prst="flowChartProcess">
+            <a:avLst/>
+          </a:prstGeom>
+        </p:spPr>
+        <p:style>
+          <a:lnRef idx="0">
+            <a:schemeClr val="accent4"/>
+          </a:lnRef>
+          <a:fillRef idx="3">
+            <a:schemeClr val="accent4"/>
+          </a:fillRef>
+          <a:effectRef idx="3">
+            <a:schemeClr val="accent4"/>
+          </a:effectRef>
+          <a:fontRef idx="minor">
+            <a:schemeClr val="lt1"/>
+          </a:fontRef>
+        </p:style>
+        <p:txBody>
+          <a:bodyPr rtlCol="0" anchor="ctr"/>
+          <a:lstStyle/>
+          <a:p>
+            <a:pPr algn="ctr"/>
+            <a:r>
+              <a:rPr lang="en-US" dirty="0" err="1"/>
+              <a:t>generate_answers</a:t>
+            </a:r>
+            <a:endParaRPr lang="en-US" dirty="0"/>
+          </a:p>
+        </p:txBody>
+      </p:sp>
+      <p:sp>
+        <p:nvSpPr>
+          <p:cNvPr id="10" name="Process 9">
+            <a:extLst>
+              <a:ext uri="{FF2B5EF4-FFF2-40B4-BE49-F238E27FC236}">
+                <a16:creationId xmlns:a16="http://schemas.microsoft.com/office/drawing/2014/main" id="{3FFFF54F-B993-9D98-C3AD-62343CD6C4B7}"/>
+              </a:ext>
+            </a:extLst>
+          </p:cNvPr>
+          <p:cNvSpPr/>
+          <p:nvPr/>
+        </p:nvSpPr>
+        <p:spPr>
+          <a:xfrm>
+            <a:off x="9302739" y="1600352"/>
+            <a:ext cx="2011680" cy="538277"/>
+          </a:xfrm>
+          <a:prstGeom prst="flowChartProcess">
+            <a:avLst/>
+          </a:prstGeom>
+        </p:spPr>
+        <p:style>
+          <a:lnRef idx="0">
+            <a:schemeClr val="accent4"/>
+          </a:lnRef>
+          <a:fillRef idx="3">
+            <a:schemeClr val="accent4"/>
+          </a:fillRef>
+          <a:effectRef idx="3">
+            <a:schemeClr val="accent4"/>
+          </a:effectRef>
+          <a:fontRef idx="minor">
+            <a:schemeClr val="lt1"/>
+          </a:fontRef>
+        </p:style>
+        <p:txBody>
+          <a:bodyPr rtlCol="0" anchor="ctr"/>
+          <a:lstStyle/>
+          <a:p>
+            <a:pPr algn="ctr"/>
+            <a:r>
+              <a:rPr lang="en-US" dirty="0" err="1"/>
+              <a:t>score_answers</a:t>
+            </a:r>
+            <a:endParaRPr lang="en-US" dirty="0"/>
+          </a:p>
+        </p:txBody>
+      </p:sp>
+      <p:cxnSp>
+        <p:nvCxnSpPr>
+          <p:cNvPr id="11" name="Straight Arrow Connector 10">
+            <a:extLst>
+              <a:ext uri="{FF2B5EF4-FFF2-40B4-BE49-F238E27FC236}">
+                <a16:creationId xmlns:a16="http://schemas.microsoft.com/office/drawing/2014/main" id="{C112F6FD-B57B-A0F6-29D5-5638DA77AE8E}"/>
+              </a:ext>
+            </a:extLst>
+          </p:cNvPr>
+          <p:cNvCxnSpPr/>
+          <p:nvPr/>
+        </p:nvCxnSpPr>
+        <p:spPr>
+          <a:xfrm>
+            <a:off x="7021830" y="1139189"/>
+            <a:ext cx="0" cy="461163"/>
+          </a:xfrm>
+          <a:prstGeom prst="straightConnector1">
+            <a:avLst/>
+          </a:prstGeom>
+          <a:ln w="38100">
+            <a:solidFill>
+              <a:srgbClr val="C00000"/>
+            </a:solidFill>
+            <a:tailEnd type="triangle"/>
+          </a:ln>
+        </p:spPr>
+        <p:style>
+          <a:lnRef idx="2">
+            <a:schemeClr val="accent1"/>
+          </a:lnRef>
+          <a:fillRef idx="0">
+            <a:schemeClr val="accent1"/>
+          </a:fillRef>
+          <a:effectRef idx="1">
+            <a:schemeClr val="accent1"/>
+          </a:effectRef>
+          <a:fontRef idx="minor">
+            <a:schemeClr val="tx1"/>
+          </a:fontRef>
+        </p:style>
+      </p:cxnSp>
+      <p:cxnSp>
+        <p:nvCxnSpPr>
+          <p:cNvPr id="12" name="Straight Arrow Connector 11">
+            <a:extLst>
+              <a:ext uri="{FF2B5EF4-FFF2-40B4-BE49-F238E27FC236}">
+                <a16:creationId xmlns:a16="http://schemas.microsoft.com/office/drawing/2014/main" id="{362E0319-8DD7-35C6-CA4E-51446A26D014}"/>
+              </a:ext>
+            </a:extLst>
+          </p:cNvPr>
+          <p:cNvCxnSpPr>
+            <a:cxnSpLocks/>
+          </p:cNvCxnSpPr>
+          <p:nvPr/>
+        </p:nvCxnSpPr>
+        <p:spPr>
+          <a:xfrm flipV="1">
+            <a:off x="7528560" y="1139189"/>
+            <a:ext cx="0" cy="461163"/>
+          </a:xfrm>
+          <a:prstGeom prst="straightConnector1">
+            <a:avLst/>
+          </a:prstGeom>
+          <a:ln w="38100">
+            <a:solidFill>
+              <a:srgbClr val="C00000"/>
+            </a:solidFill>
+            <a:tailEnd type="triangle"/>
+          </a:ln>
+        </p:spPr>
+        <p:style>
+          <a:lnRef idx="2">
+            <a:schemeClr val="accent1"/>
+          </a:lnRef>
+          <a:fillRef idx="0">
+            <a:schemeClr val="accent1"/>
+          </a:fillRef>
+          <a:effectRef idx="1">
+            <a:schemeClr val="accent1"/>
+          </a:effectRef>
+          <a:fontRef idx="minor">
+            <a:schemeClr val="tx1"/>
+          </a:fontRef>
+        </p:style>
+      </p:cxnSp>
+      <p:sp>
+        <p:nvSpPr>
+          <p:cNvPr id="15" name="Parallelogram 14">
+            <a:extLst>
+              <a:ext uri="{FF2B5EF4-FFF2-40B4-BE49-F238E27FC236}">
+                <a16:creationId xmlns:a16="http://schemas.microsoft.com/office/drawing/2014/main" id="{2AFD0DE5-5367-71BF-AC37-1FBDBECD1BDE}"/>
+              </a:ext>
+            </a:extLst>
+          </p:cNvPr>
+          <p:cNvSpPr/>
+          <p:nvPr/>
+        </p:nvSpPr>
+        <p:spPr>
+          <a:xfrm>
+            <a:off x="6560803" y="2599792"/>
+            <a:ext cx="1503680" cy="558165"/>
+          </a:xfrm>
+          <a:prstGeom prst="parallelogram">
+            <a:avLst/>
+          </a:prstGeom>
+        </p:spPr>
+        <p:style>
+          <a:lnRef idx="0">
+            <a:schemeClr val="accent1"/>
+          </a:lnRef>
+          <a:fillRef idx="3">
+            <a:schemeClr val="accent1"/>
+          </a:fillRef>
+          <a:effectRef idx="3">
+            <a:schemeClr val="accent1"/>
+          </a:effectRef>
+          <a:fontRef idx="minor">
+            <a:schemeClr val="lt1"/>
+          </a:fontRef>
+        </p:style>
+        <p:txBody>
+          <a:bodyPr rtlCol="0" anchor="ctr"/>
+          <a:lstStyle/>
+          <a:p>
+            <a:pPr algn="ctr"/>
+            <a:r>
+              <a:rPr lang="en-US" dirty="0" err="1"/>
+              <a:t>Model_C</a:t>
+            </a:r>
+            <a:endParaRPr lang="en-US" dirty="0"/>
+          </a:p>
+        </p:txBody>
+      </p:sp>
+      <p:sp>
+        <p:nvSpPr>
+          <p:cNvPr id="21" name="Process 20">
+            <a:extLst>
+              <a:ext uri="{FF2B5EF4-FFF2-40B4-BE49-F238E27FC236}">
+                <a16:creationId xmlns:a16="http://schemas.microsoft.com/office/drawing/2014/main" id="{5FB8CF18-203C-1AEB-A714-B40FB85644B4}"/>
+              </a:ext>
+            </a:extLst>
+          </p:cNvPr>
+          <p:cNvSpPr/>
+          <p:nvPr/>
+        </p:nvSpPr>
+        <p:spPr>
+          <a:xfrm>
+            <a:off x="6306803" y="3619120"/>
+            <a:ext cx="2011680" cy="538277"/>
+          </a:xfrm>
+          <a:prstGeom prst="flowChartProcess">
+            <a:avLst/>
+          </a:prstGeom>
+        </p:spPr>
+        <p:style>
+          <a:lnRef idx="0">
+            <a:schemeClr val="accent4"/>
+          </a:lnRef>
+          <a:fillRef idx="3">
+            <a:schemeClr val="accent4"/>
+          </a:fillRef>
+          <a:effectRef idx="3">
+            <a:schemeClr val="accent4"/>
+          </a:effectRef>
+          <a:fontRef idx="minor">
+            <a:schemeClr val="lt1"/>
+          </a:fontRef>
+        </p:style>
+        <p:txBody>
+          <a:bodyPr rtlCol="0" anchor="ctr"/>
+          <a:lstStyle/>
+          <a:p>
+            <a:pPr algn="ctr"/>
+            <a:r>
+              <a:rPr lang="en-US" dirty="0" err="1"/>
+              <a:t>generate_answers</a:t>
+            </a:r>
+            <a:endParaRPr lang="en-US" dirty="0"/>
+          </a:p>
+        </p:txBody>
+      </p:sp>
+      <p:cxnSp>
+        <p:nvCxnSpPr>
+          <p:cNvPr id="22" name="Straight Arrow Connector 21">
+            <a:extLst>
+              <a:ext uri="{FF2B5EF4-FFF2-40B4-BE49-F238E27FC236}">
+                <a16:creationId xmlns:a16="http://schemas.microsoft.com/office/drawing/2014/main" id="{265D1537-7514-A28D-573B-492F7CEDEC77}"/>
+              </a:ext>
+            </a:extLst>
+          </p:cNvPr>
+          <p:cNvCxnSpPr/>
+          <p:nvPr/>
+        </p:nvCxnSpPr>
+        <p:spPr>
+          <a:xfrm>
+            <a:off x="7021830" y="3157957"/>
+            <a:ext cx="0" cy="461163"/>
+          </a:xfrm>
+          <a:prstGeom prst="straightConnector1">
+            <a:avLst/>
+          </a:prstGeom>
+          <a:ln w="38100">
+            <a:solidFill>
+              <a:srgbClr val="C00000"/>
+            </a:solidFill>
+            <a:tailEnd type="triangle"/>
+          </a:ln>
+        </p:spPr>
+        <p:style>
+          <a:lnRef idx="2">
+            <a:schemeClr val="accent1"/>
+          </a:lnRef>
+          <a:fillRef idx="0">
+            <a:schemeClr val="accent1"/>
+          </a:fillRef>
+          <a:effectRef idx="1">
+            <a:schemeClr val="accent1"/>
+          </a:effectRef>
+          <a:fontRef idx="minor">
+            <a:schemeClr val="tx1"/>
+          </a:fontRef>
+        </p:style>
+      </p:cxnSp>
+      <p:cxnSp>
+        <p:nvCxnSpPr>
+          <p:cNvPr id="28" name="Straight Arrow Connector 27">
+            <a:extLst>
+              <a:ext uri="{FF2B5EF4-FFF2-40B4-BE49-F238E27FC236}">
+                <a16:creationId xmlns:a16="http://schemas.microsoft.com/office/drawing/2014/main" id="{B856D20D-AD0E-9372-CF8B-D6BDBD3C89CE}"/>
+              </a:ext>
+            </a:extLst>
+          </p:cNvPr>
+          <p:cNvCxnSpPr>
+            <a:cxnSpLocks/>
+          </p:cNvCxnSpPr>
+          <p:nvPr/>
+        </p:nvCxnSpPr>
+        <p:spPr>
+          <a:xfrm flipV="1">
+            <a:off x="7528560" y="3157957"/>
+            <a:ext cx="0" cy="461163"/>
+          </a:xfrm>
+          <a:prstGeom prst="straightConnector1">
+            <a:avLst/>
+          </a:prstGeom>
+          <a:ln w="38100">
+            <a:solidFill>
+              <a:srgbClr val="C00000"/>
+            </a:solidFill>
+            <a:tailEnd type="triangle"/>
+          </a:ln>
+        </p:spPr>
+        <p:style>
+          <a:lnRef idx="2">
+            <a:schemeClr val="accent1"/>
+          </a:lnRef>
+          <a:fillRef idx="0">
+            <a:schemeClr val="accent1"/>
+          </a:fillRef>
+          <a:effectRef idx="1">
+            <a:schemeClr val="accent1"/>
+          </a:effectRef>
+          <a:fontRef idx="minor">
+            <a:schemeClr val="tx1"/>
+          </a:fontRef>
+        </p:style>
+      </p:cxnSp>
+      <p:sp>
+        <p:nvSpPr>
+          <p:cNvPr id="31" name="Parallelogram 30">
+            <a:extLst>
+              <a:ext uri="{FF2B5EF4-FFF2-40B4-BE49-F238E27FC236}">
+                <a16:creationId xmlns:a16="http://schemas.microsoft.com/office/drawing/2014/main" id="{8747B32F-D755-FFB9-A122-C8AF8538B049}"/>
+              </a:ext>
+            </a:extLst>
+          </p:cNvPr>
+          <p:cNvSpPr/>
+          <p:nvPr/>
+        </p:nvSpPr>
+        <p:spPr>
+          <a:xfrm>
+            <a:off x="6560803" y="4638448"/>
+            <a:ext cx="1503680" cy="558165"/>
+          </a:xfrm>
+          <a:prstGeom prst="parallelogram">
+            <a:avLst/>
+          </a:prstGeom>
+        </p:spPr>
+        <p:style>
+          <a:lnRef idx="0">
+            <a:schemeClr val="accent5"/>
+          </a:lnRef>
+          <a:fillRef idx="3">
+            <a:schemeClr val="accent5"/>
+          </a:fillRef>
+          <a:effectRef idx="3">
+            <a:schemeClr val="accent5"/>
+          </a:effectRef>
+          <a:fontRef idx="minor">
+            <a:schemeClr val="lt1"/>
+          </a:fontRef>
+        </p:style>
+        <p:txBody>
+          <a:bodyPr rtlCol="0" anchor="ctr"/>
+          <a:lstStyle/>
+          <a:p>
+            <a:pPr algn="ctr"/>
+            <a:r>
+              <a:rPr lang="en-US" dirty="0" err="1"/>
+              <a:t>Model_D</a:t>
+            </a:r>
+            <a:endParaRPr lang="en-US" dirty="0"/>
+          </a:p>
+        </p:txBody>
+      </p:sp>
+      <p:sp>
+        <p:nvSpPr>
+          <p:cNvPr id="34" name="Process 33">
+            <a:extLst>
+              <a:ext uri="{FF2B5EF4-FFF2-40B4-BE49-F238E27FC236}">
+                <a16:creationId xmlns:a16="http://schemas.microsoft.com/office/drawing/2014/main" id="{0D67BAFB-878C-2169-E527-A620580B2678}"/>
+              </a:ext>
+            </a:extLst>
+          </p:cNvPr>
+          <p:cNvSpPr/>
+          <p:nvPr/>
+        </p:nvSpPr>
+        <p:spPr>
+          <a:xfrm>
+            <a:off x="6306803" y="5657776"/>
+            <a:ext cx="2011680" cy="538277"/>
+          </a:xfrm>
+          <a:prstGeom prst="flowChartProcess">
+            <a:avLst/>
+          </a:prstGeom>
+        </p:spPr>
+        <p:style>
+          <a:lnRef idx="0">
+            <a:schemeClr val="accent4"/>
+          </a:lnRef>
+          <a:fillRef idx="3">
+            <a:schemeClr val="accent4"/>
+          </a:fillRef>
+          <a:effectRef idx="3">
+            <a:schemeClr val="accent4"/>
+          </a:effectRef>
+          <a:fontRef idx="minor">
+            <a:schemeClr val="lt1"/>
+          </a:fontRef>
+        </p:style>
+        <p:txBody>
+          <a:bodyPr rtlCol="0" anchor="ctr"/>
+          <a:lstStyle/>
+          <a:p>
+            <a:pPr algn="ctr"/>
+            <a:r>
+              <a:rPr lang="en-US" dirty="0" err="1"/>
+              <a:t>generate_answers</a:t>
+            </a:r>
+            <a:endParaRPr lang="en-US" dirty="0"/>
+          </a:p>
+        </p:txBody>
+      </p:sp>
+      <p:cxnSp>
+        <p:nvCxnSpPr>
+          <p:cNvPr id="35" name="Straight Arrow Connector 34">
+            <a:extLst>
+              <a:ext uri="{FF2B5EF4-FFF2-40B4-BE49-F238E27FC236}">
+                <a16:creationId xmlns:a16="http://schemas.microsoft.com/office/drawing/2014/main" id="{9F75EDF8-33F5-4318-666A-84E8713E03C0}"/>
+              </a:ext>
+            </a:extLst>
+          </p:cNvPr>
+          <p:cNvCxnSpPr/>
+          <p:nvPr/>
+        </p:nvCxnSpPr>
+        <p:spPr>
+          <a:xfrm>
+            <a:off x="7021830" y="5196613"/>
+            <a:ext cx="0" cy="461163"/>
+          </a:xfrm>
+          <a:prstGeom prst="straightConnector1">
+            <a:avLst/>
+          </a:prstGeom>
+          <a:ln w="38100">
+            <a:solidFill>
+              <a:srgbClr val="C00000"/>
+            </a:solidFill>
+            <a:tailEnd type="triangle"/>
+          </a:ln>
+        </p:spPr>
+        <p:style>
+          <a:lnRef idx="2">
+            <a:schemeClr val="accent1"/>
+          </a:lnRef>
+          <a:fillRef idx="0">
+            <a:schemeClr val="accent1"/>
+          </a:fillRef>
+          <a:effectRef idx="1">
+            <a:schemeClr val="accent1"/>
+          </a:effectRef>
+          <a:fontRef idx="minor">
+            <a:schemeClr val="tx1"/>
+          </a:fontRef>
+        </p:style>
+      </p:cxnSp>
+      <p:cxnSp>
+        <p:nvCxnSpPr>
+          <p:cNvPr id="36" name="Straight Arrow Connector 35">
+            <a:extLst>
+              <a:ext uri="{FF2B5EF4-FFF2-40B4-BE49-F238E27FC236}">
+                <a16:creationId xmlns:a16="http://schemas.microsoft.com/office/drawing/2014/main" id="{A5B7A5F1-5A58-46EB-A965-AA208C3C6EF0}"/>
+              </a:ext>
+            </a:extLst>
+          </p:cNvPr>
+          <p:cNvCxnSpPr>
+            <a:cxnSpLocks/>
+          </p:cNvCxnSpPr>
+          <p:nvPr/>
+        </p:nvCxnSpPr>
+        <p:spPr>
+          <a:xfrm flipV="1">
+            <a:off x="7528560" y="5196613"/>
+            <a:ext cx="0" cy="461163"/>
+          </a:xfrm>
+          <a:prstGeom prst="straightConnector1">
+            <a:avLst/>
+          </a:prstGeom>
+          <a:ln w="38100">
+            <a:solidFill>
+              <a:srgbClr val="C00000"/>
+            </a:solidFill>
+            <a:tailEnd type="triangle"/>
+          </a:ln>
+        </p:spPr>
+        <p:style>
+          <a:lnRef idx="2">
+            <a:schemeClr val="accent1"/>
+          </a:lnRef>
+          <a:fillRef idx="0">
+            <a:schemeClr val="accent1"/>
+          </a:fillRef>
+          <a:effectRef idx="1">
+            <a:schemeClr val="accent1"/>
+          </a:effectRef>
+          <a:fontRef idx="minor">
+            <a:schemeClr val="tx1"/>
+          </a:fontRef>
+        </p:style>
+      </p:cxnSp>
+      <p:cxnSp>
+        <p:nvCxnSpPr>
+          <p:cNvPr id="37" name="Straight Arrow Connector 36">
+            <a:extLst>
+              <a:ext uri="{FF2B5EF4-FFF2-40B4-BE49-F238E27FC236}">
+                <a16:creationId xmlns:a16="http://schemas.microsoft.com/office/drawing/2014/main" id="{03364376-87DF-CB37-8B98-5F8973D6C4A5}"/>
+              </a:ext>
+            </a:extLst>
+          </p:cNvPr>
+          <p:cNvCxnSpPr>
+            <a:cxnSpLocks/>
+            <a:stCxn id="21" idx="3"/>
+            <a:endCxn id="38" idx="1"/>
+          </p:cNvCxnSpPr>
+          <p:nvPr/>
+        </p:nvCxnSpPr>
+        <p:spPr>
+          <a:xfrm>
+            <a:off x="8318483" y="3888259"/>
+            <a:ext cx="984256" cy="0"/>
+          </a:xfrm>
+          <a:prstGeom prst="straightConnector1">
+            <a:avLst/>
+          </a:prstGeom>
+          <a:ln>
+            <a:tailEnd type="triangle"/>
+          </a:ln>
+        </p:spPr>
+        <p:style>
+          <a:lnRef idx="2">
+            <a:schemeClr val="accent1"/>
+          </a:lnRef>
+          <a:fillRef idx="0">
+            <a:schemeClr val="accent1"/>
+          </a:fillRef>
+          <a:effectRef idx="1">
+            <a:schemeClr val="accent1"/>
+          </a:effectRef>
+          <a:fontRef idx="minor">
+            <a:schemeClr val="tx1"/>
+          </a:fontRef>
+        </p:style>
+      </p:cxnSp>
+      <p:sp>
+        <p:nvSpPr>
+          <p:cNvPr id="38" name="Process 37">
+            <a:extLst>
+              <a:ext uri="{FF2B5EF4-FFF2-40B4-BE49-F238E27FC236}">
+                <a16:creationId xmlns:a16="http://schemas.microsoft.com/office/drawing/2014/main" id="{06C32EDB-5C26-23FD-BD0F-AF93EA824D53}"/>
+              </a:ext>
+            </a:extLst>
+          </p:cNvPr>
+          <p:cNvSpPr/>
+          <p:nvPr/>
+        </p:nvSpPr>
+        <p:spPr>
+          <a:xfrm>
+            <a:off x="9302739" y="3619120"/>
+            <a:ext cx="2011680" cy="538277"/>
+          </a:xfrm>
+          <a:prstGeom prst="flowChartProcess">
+            <a:avLst/>
+          </a:prstGeom>
+        </p:spPr>
+        <p:style>
+          <a:lnRef idx="0">
+            <a:schemeClr val="accent4"/>
+          </a:lnRef>
+          <a:fillRef idx="3">
+            <a:schemeClr val="accent4"/>
+          </a:fillRef>
+          <a:effectRef idx="3">
+            <a:schemeClr val="accent4"/>
+          </a:effectRef>
+          <a:fontRef idx="minor">
+            <a:schemeClr val="lt1"/>
+          </a:fontRef>
+        </p:style>
+        <p:txBody>
+          <a:bodyPr rtlCol="0" anchor="ctr"/>
+          <a:lstStyle/>
+          <a:p>
+            <a:pPr algn="ctr"/>
+            <a:r>
+              <a:rPr lang="en-US" dirty="0" err="1"/>
+              <a:t>score_answers</a:t>
+            </a:r>
+            <a:endParaRPr lang="en-US" dirty="0"/>
+          </a:p>
+        </p:txBody>
+      </p:sp>
+      <p:cxnSp>
+        <p:nvCxnSpPr>
+          <p:cNvPr id="39" name="Straight Arrow Connector 38">
+            <a:extLst>
+              <a:ext uri="{FF2B5EF4-FFF2-40B4-BE49-F238E27FC236}">
+                <a16:creationId xmlns:a16="http://schemas.microsoft.com/office/drawing/2014/main" id="{CC1F9FCA-19DB-4FA3-D4E1-5F4164DC7F33}"/>
+              </a:ext>
+            </a:extLst>
+          </p:cNvPr>
+          <p:cNvCxnSpPr>
+            <a:cxnSpLocks/>
+            <a:stCxn id="34" idx="3"/>
+            <a:endCxn id="40" idx="1"/>
+          </p:cNvCxnSpPr>
+          <p:nvPr/>
+        </p:nvCxnSpPr>
+        <p:spPr>
+          <a:xfrm>
+            <a:off x="8318483" y="5926915"/>
+            <a:ext cx="984256" cy="0"/>
+          </a:xfrm>
+          <a:prstGeom prst="straightConnector1">
+            <a:avLst/>
+          </a:prstGeom>
+          <a:ln>
+            <a:tailEnd type="triangle"/>
+          </a:ln>
+        </p:spPr>
+        <p:style>
+          <a:lnRef idx="2">
+            <a:schemeClr val="accent1"/>
+          </a:lnRef>
+          <a:fillRef idx="0">
+            <a:schemeClr val="accent1"/>
+          </a:fillRef>
+          <a:effectRef idx="1">
+            <a:schemeClr val="accent1"/>
+          </a:effectRef>
+          <a:fontRef idx="minor">
+            <a:schemeClr val="tx1"/>
+          </a:fontRef>
+        </p:style>
+      </p:cxnSp>
+      <p:sp>
+        <p:nvSpPr>
+          <p:cNvPr id="40" name="Process 39">
+            <a:extLst>
+              <a:ext uri="{FF2B5EF4-FFF2-40B4-BE49-F238E27FC236}">
+                <a16:creationId xmlns:a16="http://schemas.microsoft.com/office/drawing/2014/main" id="{C508B0C4-5C75-9C8A-5EEA-77415EB8F817}"/>
+              </a:ext>
+            </a:extLst>
+          </p:cNvPr>
+          <p:cNvSpPr/>
+          <p:nvPr/>
+        </p:nvSpPr>
+        <p:spPr>
+          <a:xfrm>
+            <a:off x="9302739" y="5657776"/>
+            <a:ext cx="2011680" cy="538277"/>
+          </a:xfrm>
+          <a:prstGeom prst="flowChartProcess">
+            <a:avLst/>
+          </a:prstGeom>
+        </p:spPr>
+        <p:style>
+          <a:lnRef idx="0">
+            <a:schemeClr val="accent4"/>
+          </a:lnRef>
+          <a:fillRef idx="3">
+            <a:schemeClr val="accent4"/>
+          </a:fillRef>
+          <a:effectRef idx="3">
+            <a:schemeClr val="accent4"/>
+          </a:effectRef>
+          <a:fontRef idx="minor">
+            <a:schemeClr val="lt1"/>
+          </a:fontRef>
+        </p:style>
+        <p:txBody>
+          <a:bodyPr rtlCol="0" anchor="ctr"/>
+          <a:lstStyle/>
+          <a:p>
+            <a:pPr algn="ctr"/>
+            <a:r>
+              <a:rPr lang="en-US" dirty="0" err="1"/>
+              <a:t>score_answers</a:t>
+            </a:r>
+            <a:endParaRPr lang="en-US" dirty="0"/>
+          </a:p>
+        </p:txBody>
+      </p:sp>
+      <p:cxnSp>
+        <p:nvCxnSpPr>
+          <p:cNvPr id="42" name="Straight Arrow Connector 41">
+            <a:extLst>
+              <a:ext uri="{FF2B5EF4-FFF2-40B4-BE49-F238E27FC236}">
+                <a16:creationId xmlns:a16="http://schemas.microsoft.com/office/drawing/2014/main" id="{CC4BC68C-82E5-8A8C-68E4-FE226E91BEF3}"/>
+              </a:ext>
+            </a:extLst>
+          </p:cNvPr>
+          <p:cNvCxnSpPr/>
+          <p:nvPr/>
+        </p:nvCxnSpPr>
+        <p:spPr>
+          <a:xfrm flipV="1">
+            <a:off x="4723867" y="3224230"/>
+            <a:ext cx="182803" cy="204770"/>
+          </a:xfrm>
+          <a:prstGeom prst="straightConnector1">
+            <a:avLst/>
+          </a:prstGeom>
+          <a:ln>
+            <a:tailEnd type="triangle"/>
+          </a:ln>
+        </p:spPr>
+        <p:style>
+          <a:lnRef idx="2">
+            <a:schemeClr val="accent1"/>
+          </a:lnRef>
+          <a:fillRef idx="0">
+            <a:schemeClr val="accent1"/>
+          </a:fillRef>
+          <a:effectRef idx="1">
+            <a:schemeClr val="accent1"/>
+          </a:effectRef>
+          <a:fontRef idx="minor">
+            <a:schemeClr val="tx1"/>
+          </a:fontRef>
+        </p:style>
+      </p:cxnSp>
+      <p:sp>
+        <p:nvSpPr>
+          <p:cNvPr id="43" name="TextBox 42">
+            <a:extLst>
+              <a:ext uri="{FF2B5EF4-FFF2-40B4-BE49-F238E27FC236}">
+                <a16:creationId xmlns:a16="http://schemas.microsoft.com/office/drawing/2014/main" id="{05C584BF-E7DC-4F5B-13DA-A232BE36E059}"/>
+              </a:ext>
+            </a:extLst>
+          </p:cNvPr>
+          <p:cNvSpPr txBox="1"/>
+          <p:nvPr/>
+        </p:nvSpPr>
+        <p:spPr>
+          <a:xfrm>
+            <a:off x="350605" y="4727130"/>
+            <a:ext cx="5640004" cy="1938992"/>
+          </a:xfrm>
+          <a:prstGeom prst="rect">
+            <a:avLst/>
+          </a:prstGeom>
+          <a:noFill/>
+        </p:spPr>
+        <p:txBody>
+          <a:bodyPr wrap="square" rtlCol="0">
+            <a:spAutoFit/>
+          </a:bodyPr>
+          <a:lstStyle/>
+          <a:p>
+            <a:r>
+              <a:rPr lang="en-US" sz="2000" dirty="0">
+                <a:solidFill>
+                  <a:srgbClr val="002060"/>
+                </a:solidFill>
+              </a:rPr>
+              <a:t>In Progress: </a:t>
+            </a:r>
+          </a:p>
+          <a:p>
+            <a:pPr marL="342900" indent="-342900">
+              <a:buFont typeface="Arial" panose="020B0604020202020204" pitchFamily="34" charset="0"/>
+              <a:buChar char="•"/>
+            </a:pPr>
+            <a:r>
+              <a:rPr lang="en-US" sz="2000" dirty="0">
+                <a:solidFill>
+                  <a:srgbClr val="002060"/>
+                </a:solidFill>
+              </a:rPr>
+              <a:t>Extract knowledge nuggets (“factoids”” from papers, test model knowledge, retaining “new” nuggets for general evaluation and fine-tuning.</a:t>
+            </a:r>
+          </a:p>
+          <a:p>
+            <a:pPr marL="342900" indent="-342900">
+              <a:buFont typeface="Arial" panose="020B0604020202020204" pitchFamily="34" charset="0"/>
+              <a:buChar char="•"/>
+            </a:pPr>
+            <a:r>
+              <a:rPr lang="en-US" sz="2000" dirty="0">
+                <a:solidFill>
+                  <a:srgbClr val="002060"/>
+                </a:solidFill>
+              </a:rPr>
+              <a:t>Each nugget tagged with paper DOI (found in PDF or using a model to search)</a:t>
+            </a:r>
+          </a:p>
+        </p:txBody>
+      </p:sp>
+      <p:sp>
+        <p:nvSpPr>
+          <p:cNvPr id="44" name="Parallelogram 43">
+            <a:extLst>
+              <a:ext uri="{FF2B5EF4-FFF2-40B4-BE49-F238E27FC236}">
+                <a16:creationId xmlns:a16="http://schemas.microsoft.com/office/drawing/2014/main" id="{B395A4C8-E9D8-11B9-D231-3FD873C6AA31}"/>
+              </a:ext>
+            </a:extLst>
+          </p:cNvPr>
+          <p:cNvSpPr/>
+          <p:nvPr/>
+        </p:nvSpPr>
+        <p:spPr>
+          <a:xfrm>
+            <a:off x="9556738" y="581024"/>
+            <a:ext cx="1503680" cy="558165"/>
+          </a:xfrm>
+          <a:prstGeom prst="parallelogram">
+            <a:avLst/>
+          </a:prstGeom>
+        </p:spPr>
+        <p:style>
+          <a:lnRef idx="0">
+            <a:schemeClr val="accent3"/>
+          </a:lnRef>
+          <a:fillRef idx="3">
+            <a:schemeClr val="accent3"/>
+          </a:fillRef>
+          <a:effectRef idx="3">
+            <a:schemeClr val="accent3"/>
+          </a:effectRef>
+          <a:fontRef idx="minor">
+            <a:schemeClr val="lt1"/>
+          </a:fontRef>
+        </p:style>
+        <p:txBody>
+          <a:bodyPr rtlCol="0" anchor="ctr"/>
+          <a:lstStyle/>
+          <a:p>
+            <a:pPr algn="ctr"/>
+            <a:r>
+              <a:rPr lang="en-US" dirty="0" err="1"/>
+              <a:t>Model_A</a:t>
+            </a:r>
+            <a:endParaRPr lang="en-US" dirty="0"/>
+          </a:p>
+        </p:txBody>
+      </p:sp>
+      <p:cxnSp>
+        <p:nvCxnSpPr>
+          <p:cNvPr id="45" name="Straight Arrow Connector 44">
+            <a:extLst>
+              <a:ext uri="{FF2B5EF4-FFF2-40B4-BE49-F238E27FC236}">
+                <a16:creationId xmlns:a16="http://schemas.microsoft.com/office/drawing/2014/main" id="{57A407B7-9811-6E27-4727-C15D242A0D8E}"/>
+              </a:ext>
+            </a:extLst>
+          </p:cNvPr>
+          <p:cNvCxnSpPr/>
+          <p:nvPr/>
+        </p:nvCxnSpPr>
+        <p:spPr>
+          <a:xfrm>
+            <a:off x="9992370" y="1139189"/>
+            <a:ext cx="0" cy="461163"/>
+          </a:xfrm>
+          <a:prstGeom prst="straightConnector1">
+            <a:avLst/>
+          </a:prstGeom>
+          <a:ln w="38100">
+            <a:solidFill>
+              <a:srgbClr val="C00000"/>
+            </a:solidFill>
+            <a:tailEnd type="triangle"/>
+          </a:ln>
+        </p:spPr>
+        <p:style>
+          <a:lnRef idx="2">
+            <a:schemeClr val="accent1"/>
+          </a:lnRef>
+          <a:fillRef idx="0">
+            <a:schemeClr val="accent1"/>
+          </a:fillRef>
+          <a:effectRef idx="1">
+            <a:schemeClr val="accent1"/>
+          </a:effectRef>
+          <a:fontRef idx="minor">
+            <a:schemeClr val="tx1"/>
+          </a:fontRef>
+        </p:style>
+      </p:cxnSp>
+      <p:cxnSp>
+        <p:nvCxnSpPr>
+          <p:cNvPr id="48" name="Straight Arrow Connector 47">
+            <a:extLst>
+              <a:ext uri="{FF2B5EF4-FFF2-40B4-BE49-F238E27FC236}">
+                <a16:creationId xmlns:a16="http://schemas.microsoft.com/office/drawing/2014/main" id="{84230110-AEC3-BA3B-1DAA-B214D98ABF5F}"/>
+              </a:ext>
+            </a:extLst>
+          </p:cNvPr>
+          <p:cNvCxnSpPr>
+            <a:cxnSpLocks/>
+          </p:cNvCxnSpPr>
+          <p:nvPr/>
+        </p:nvCxnSpPr>
+        <p:spPr>
+          <a:xfrm flipV="1">
+            <a:off x="10499100" y="1139189"/>
+            <a:ext cx="0" cy="461163"/>
+          </a:xfrm>
+          <a:prstGeom prst="straightConnector1">
+            <a:avLst/>
+          </a:prstGeom>
+          <a:ln w="38100">
+            <a:solidFill>
+              <a:srgbClr val="C00000"/>
+            </a:solidFill>
+            <a:tailEnd type="triangle"/>
+          </a:ln>
+        </p:spPr>
+        <p:style>
+          <a:lnRef idx="2">
+            <a:schemeClr val="accent1"/>
+          </a:lnRef>
+          <a:fillRef idx="0">
+            <a:schemeClr val="accent1"/>
+          </a:fillRef>
+          <a:effectRef idx="1">
+            <a:schemeClr val="accent1"/>
+          </a:effectRef>
+          <a:fontRef idx="minor">
+            <a:schemeClr val="tx1"/>
+          </a:fontRef>
+        </p:style>
+      </p:cxnSp>
+      <p:sp>
+        <p:nvSpPr>
+          <p:cNvPr id="49" name="Parallelogram 48">
+            <a:extLst>
+              <a:ext uri="{FF2B5EF4-FFF2-40B4-BE49-F238E27FC236}">
+                <a16:creationId xmlns:a16="http://schemas.microsoft.com/office/drawing/2014/main" id="{24AB5B3A-AF97-879F-56D7-08FA06298255}"/>
+              </a:ext>
+            </a:extLst>
+          </p:cNvPr>
+          <p:cNvSpPr/>
+          <p:nvPr/>
+        </p:nvSpPr>
+        <p:spPr>
+          <a:xfrm>
+            <a:off x="9556738" y="2589848"/>
+            <a:ext cx="1503680" cy="558165"/>
+          </a:xfrm>
+          <a:prstGeom prst="parallelogram">
+            <a:avLst/>
+          </a:prstGeom>
+        </p:spPr>
+        <p:style>
+          <a:lnRef idx="0">
+            <a:schemeClr val="accent3"/>
+          </a:lnRef>
+          <a:fillRef idx="3">
+            <a:schemeClr val="accent3"/>
+          </a:fillRef>
+          <a:effectRef idx="3">
+            <a:schemeClr val="accent3"/>
+          </a:effectRef>
+          <a:fontRef idx="minor">
+            <a:schemeClr val="lt1"/>
+          </a:fontRef>
+        </p:style>
+        <p:txBody>
+          <a:bodyPr rtlCol="0" anchor="ctr"/>
+          <a:lstStyle/>
+          <a:p>
+            <a:pPr algn="ctr"/>
+            <a:r>
+              <a:rPr lang="en-US" dirty="0" err="1"/>
+              <a:t>Model_A</a:t>
+            </a:r>
+            <a:endParaRPr lang="en-US" dirty="0"/>
+          </a:p>
+        </p:txBody>
+      </p:sp>
+      <p:cxnSp>
+        <p:nvCxnSpPr>
+          <p:cNvPr id="50" name="Straight Arrow Connector 49">
+            <a:extLst>
+              <a:ext uri="{FF2B5EF4-FFF2-40B4-BE49-F238E27FC236}">
+                <a16:creationId xmlns:a16="http://schemas.microsoft.com/office/drawing/2014/main" id="{43215C3D-ED1D-2C64-B754-32597614B2DF}"/>
+              </a:ext>
+            </a:extLst>
+          </p:cNvPr>
+          <p:cNvCxnSpPr/>
+          <p:nvPr/>
+        </p:nvCxnSpPr>
+        <p:spPr>
+          <a:xfrm>
+            <a:off x="9992370" y="3148013"/>
+            <a:ext cx="0" cy="461163"/>
+          </a:xfrm>
+          <a:prstGeom prst="straightConnector1">
+            <a:avLst/>
+          </a:prstGeom>
+          <a:ln w="38100">
+            <a:solidFill>
+              <a:srgbClr val="C00000"/>
+            </a:solidFill>
+            <a:tailEnd type="triangle"/>
+          </a:ln>
+        </p:spPr>
+        <p:style>
+          <a:lnRef idx="2">
+            <a:schemeClr val="accent1"/>
+          </a:lnRef>
+          <a:fillRef idx="0">
+            <a:schemeClr val="accent1"/>
+          </a:fillRef>
+          <a:effectRef idx="1">
+            <a:schemeClr val="accent1"/>
+          </a:effectRef>
+          <a:fontRef idx="minor">
+            <a:schemeClr val="tx1"/>
+          </a:fontRef>
+        </p:style>
+      </p:cxnSp>
+      <p:cxnSp>
+        <p:nvCxnSpPr>
+          <p:cNvPr id="51" name="Straight Arrow Connector 50">
+            <a:extLst>
+              <a:ext uri="{FF2B5EF4-FFF2-40B4-BE49-F238E27FC236}">
+                <a16:creationId xmlns:a16="http://schemas.microsoft.com/office/drawing/2014/main" id="{EFF7F21B-EC2A-0F5F-F65E-3CDA0DCB3844}"/>
+              </a:ext>
+            </a:extLst>
+          </p:cNvPr>
+          <p:cNvCxnSpPr>
+            <a:cxnSpLocks/>
+          </p:cNvCxnSpPr>
+          <p:nvPr/>
+        </p:nvCxnSpPr>
+        <p:spPr>
+          <a:xfrm flipV="1">
+            <a:off x="10499100" y="3148013"/>
+            <a:ext cx="0" cy="461163"/>
+          </a:xfrm>
+          <a:prstGeom prst="straightConnector1">
+            <a:avLst/>
+          </a:prstGeom>
+          <a:ln w="38100">
+            <a:solidFill>
+              <a:srgbClr val="C00000"/>
+            </a:solidFill>
+            <a:tailEnd type="triangle"/>
+          </a:ln>
+        </p:spPr>
+        <p:style>
+          <a:lnRef idx="2">
+            <a:schemeClr val="accent1"/>
+          </a:lnRef>
+          <a:fillRef idx="0">
+            <a:schemeClr val="accent1"/>
+          </a:fillRef>
+          <a:effectRef idx="1">
+            <a:schemeClr val="accent1"/>
+          </a:effectRef>
+          <a:fontRef idx="minor">
+            <a:schemeClr val="tx1"/>
+          </a:fontRef>
+        </p:style>
+      </p:cxnSp>
+      <p:sp>
+        <p:nvSpPr>
+          <p:cNvPr id="52" name="Parallelogram 51">
+            <a:extLst>
+              <a:ext uri="{FF2B5EF4-FFF2-40B4-BE49-F238E27FC236}">
+                <a16:creationId xmlns:a16="http://schemas.microsoft.com/office/drawing/2014/main" id="{00585F0B-3A2A-96E2-EFF3-A41E57A447E4}"/>
+              </a:ext>
+            </a:extLst>
+          </p:cNvPr>
+          <p:cNvSpPr/>
+          <p:nvPr/>
+        </p:nvSpPr>
+        <p:spPr>
+          <a:xfrm>
+            <a:off x="9556738" y="4637497"/>
+            <a:ext cx="1503680" cy="558165"/>
+          </a:xfrm>
+          <a:prstGeom prst="parallelogram">
+            <a:avLst/>
+          </a:prstGeom>
+        </p:spPr>
+        <p:style>
+          <a:lnRef idx="0">
+            <a:schemeClr val="accent3"/>
+          </a:lnRef>
+          <a:fillRef idx="3">
+            <a:schemeClr val="accent3"/>
+          </a:fillRef>
+          <a:effectRef idx="3">
+            <a:schemeClr val="accent3"/>
+          </a:effectRef>
+          <a:fontRef idx="minor">
+            <a:schemeClr val="lt1"/>
+          </a:fontRef>
+        </p:style>
+        <p:txBody>
+          <a:bodyPr rtlCol="0" anchor="ctr"/>
+          <a:lstStyle/>
+          <a:p>
+            <a:pPr algn="ctr"/>
+            <a:r>
+              <a:rPr lang="en-US" dirty="0" err="1"/>
+              <a:t>Model_A</a:t>
+            </a:r>
+            <a:endParaRPr lang="en-US" dirty="0"/>
+          </a:p>
+        </p:txBody>
+      </p:sp>
+      <p:cxnSp>
+        <p:nvCxnSpPr>
+          <p:cNvPr id="53" name="Straight Arrow Connector 52">
+            <a:extLst>
+              <a:ext uri="{FF2B5EF4-FFF2-40B4-BE49-F238E27FC236}">
+                <a16:creationId xmlns:a16="http://schemas.microsoft.com/office/drawing/2014/main" id="{CEF12144-0920-9236-A8AC-1AA5BCBC5244}"/>
+              </a:ext>
+            </a:extLst>
+          </p:cNvPr>
+          <p:cNvCxnSpPr/>
+          <p:nvPr/>
+        </p:nvCxnSpPr>
+        <p:spPr>
+          <a:xfrm>
+            <a:off x="9992370" y="5195662"/>
+            <a:ext cx="0" cy="461163"/>
+          </a:xfrm>
+          <a:prstGeom prst="straightConnector1">
+            <a:avLst/>
+          </a:prstGeom>
+          <a:ln w="38100">
+            <a:solidFill>
+              <a:srgbClr val="C00000"/>
+            </a:solidFill>
+            <a:tailEnd type="triangle"/>
+          </a:ln>
+        </p:spPr>
+        <p:style>
+          <a:lnRef idx="2">
+            <a:schemeClr val="accent1"/>
+          </a:lnRef>
+          <a:fillRef idx="0">
+            <a:schemeClr val="accent1"/>
+          </a:fillRef>
+          <a:effectRef idx="1">
+            <a:schemeClr val="accent1"/>
+          </a:effectRef>
+          <a:fontRef idx="minor">
+            <a:schemeClr val="tx1"/>
+          </a:fontRef>
+        </p:style>
+      </p:cxnSp>
+      <p:cxnSp>
+        <p:nvCxnSpPr>
+          <p:cNvPr id="54" name="Straight Arrow Connector 53">
+            <a:extLst>
+              <a:ext uri="{FF2B5EF4-FFF2-40B4-BE49-F238E27FC236}">
+                <a16:creationId xmlns:a16="http://schemas.microsoft.com/office/drawing/2014/main" id="{F797C956-087A-CDD3-9E57-C4B4CC01CB52}"/>
+              </a:ext>
+            </a:extLst>
+          </p:cNvPr>
+          <p:cNvCxnSpPr>
+            <a:cxnSpLocks/>
+          </p:cNvCxnSpPr>
+          <p:nvPr/>
+        </p:nvCxnSpPr>
+        <p:spPr>
+          <a:xfrm flipV="1">
+            <a:off x="10499100" y="5195662"/>
+            <a:ext cx="0" cy="461163"/>
+          </a:xfrm>
+          <a:prstGeom prst="straightConnector1">
+            <a:avLst/>
+          </a:prstGeom>
+          <a:ln w="38100">
+            <a:solidFill>
+              <a:srgbClr val="C00000"/>
+            </a:solidFill>
+            <a:tailEnd type="triangle"/>
+          </a:ln>
+        </p:spPr>
+        <p:style>
+          <a:lnRef idx="2">
+            <a:schemeClr val="accent1"/>
+          </a:lnRef>
+          <a:fillRef idx="0">
+            <a:schemeClr val="accent1"/>
+          </a:fillRef>
+          <a:effectRef idx="1">
+            <a:schemeClr val="accent1"/>
+          </a:effectRef>
+          <a:fontRef idx="minor">
+            <a:schemeClr val="tx1"/>
+          </a:fontRef>
+        </p:style>
+      </p:cxnSp>
     </p:spTree>
     <p:extLst>
       <p:ext uri="{BB962C8B-B14F-4D97-AF65-F5344CB8AC3E}">
